--- a/Jeopardy.pptx
+++ b/Jeopardy.pptx
@@ -1,9 +1,12 @@
 
 <file path=ppt/presentation.xml><?xml version="1.0" encoding="utf-8"?>
-<p:presentation xmlns:a="http://schemas.openxmlformats.org/drawingml/2006/main" xmlns:r="http://schemas.openxmlformats.org/officeDocument/2006/relationships" xmlns:p="http://schemas.openxmlformats.org/presentationml/2006/main" saveSubsetFonts="1">
+<p:presentation xmlns:a="http://schemas.openxmlformats.org/drawingml/2006/main" xmlns:r="http://schemas.openxmlformats.org/officeDocument/2006/relationships" xmlns:p="http://schemas.openxmlformats.org/presentationml/2006/main" showSpecialPlsOnTitleSld="0" saveSubsetFonts="1">
   <p:sldMasterIdLst>
     <p:sldMasterId id="2147483660" r:id="rId1"/>
   </p:sldMasterIdLst>
+  <p:notesMasterIdLst>
+    <p:notesMasterId r:id="rId8"/>
+  </p:notesMasterIdLst>
   <p:sldIdLst>
     <p:sldId id="256" r:id="rId2"/>
     <p:sldId id="257" r:id="rId3"/>
@@ -109,7 +112,446 @@
       </a:defRPr>
     </a:lvl9pPr>
   </p:defaultTextStyle>
+  <p:extLst>
+    <p:ext uri="{EFAFB233-063F-42B5-8137-9DF3F51BA10A}">
+      <p15:sldGuideLst xmlns:p15="http://schemas.microsoft.com/office/powerpoint/2012/main"/>
+    </p:ext>
+  </p:extLst>
 </p:presentation>
+</file>
+
+<file path=ppt/notesMasters/notesMaster1.xml><?xml version="1.0" encoding="utf-8"?>
+<p:notesMaster xmlns:a="http://schemas.openxmlformats.org/drawingml/2006/main" xmlns:r="http://schemas.openxmlformats.org/officeDocument/2006/relationships" xmlns:p="http://schemas.openxmlformats.org/presentationml/2006/main">
+  <p:cSld>
+    <p:bg>
+      <p:bgRef idx="1001">
+        <a:schemeClr val="bg1"/>
+      </p:bgRef>
+    </p:bg>
+    <p:spTree>
+      <p:nvGrpSpPr>
+        <p:cNvPr id="1" name=""/>
+        <p:cNvGrpSpPr/>
+        <p:nvPr/>
+      </p:nvGrpSpPr>
+      <p:grpSpPr>
+        <a:xfrm>
+          <a:off x="0" y="0"/>
+          <a:ext cx="0" cy="0"/>
+          <a:chOff x="0" y="0"/>
+          <a:chExt cx="0" cy="0"/>
+        </a:xfrm>
+      </p:grpSpPr>
+      <p:sp>
+        <p:nvSpPr>
+          <p:cNvPr id="2" name="Kopfzeilenplatzhalter 1"/>
+          <p:cNvSpPr>
+            <a:spLocks noGrp="1"/>
+          </p:cNvSpPr>
+          <p:nvPr>
+            <p:ph type="hdr" sz="quarter"/>
+          </p:nvPr>
+        </p:nvSpPr>
+        <p:spPr>
+          <a:xfrm>
+            <a:off x="0" y="0"/>
+            <a:ext cx="2971800" cy="458788"/>
+          </a:xfrm>
+          <a:prstGeom prst="rect">
+            <a:avLst/>
+          </a:prstGeom>
+        </p:spPr>
+        <p:txBody>
+          <a:bodyPr vert="horz" lIns="91440" tIns="45720" rIns="91440" bIns="45720" rtlCol="0"/>
+          <a:lstStyle>
+            <a:lvl1pPr algn="l">
+              <a:defRPr sz="1200"/>
+            </a:lvl1pPr>
+          </a:lstStyle>
+          <a:p>
+            <a:endParaRPr lang="de-DE"/>
+          </a:p>
+        </p:txBody>
+      </p:sp>
+      <p:sp>
+        <p:nvSpPr>
+          <p:cNvPr id="3" name="Datumsplatzhalter 2"/>
+          <p:cNvSpPr>
+            <a:spLocks noGrp="1"/>
+          </p:cNvSpPr>
+          <p:nvPr>
+            <p:ph type="dt" idx="1"/>
+          </p:nvPr>
+        </p:nvSpPr>
+        <p:spPr>
+          <a:xfrm>
+            <a:off x="3884613" y="0"/>
+            <a:ext cx="2971800" cy="458788"/>
+          </a:xfrm>
+          <a:prstGeom prst="rect">
+            <a:avLst/>
+          </a:prstGeom>
+        </p:spPr>
+        <p:txBody>
+          <a:bodyPr vert="horz" lIns="91440" tIns="45720" rIns="91440" bIns="45720" rtlCol="0"/>
+          <a:lstStyle>
+            <a:lvl1pPr algn="r">
+              <a:defRPr sz="1200"/>
+            </a:lvl1pPr>
+          </a:lstStyle>
+          <a:p>
+            <a:fld id="{B2C5104C-4ECF-4461-8EF1-163CEFDBF9E6}" type="datetimeFigureOut">
+              <a:rPr lang="de-DE" smtClean="0"/>
+              <a:t>07.06.2018</a:t>
+            </a:fld>
+            <a:endParaRPr lang="de-DE"/>
+          </a:p>
+        </p:txBody>
+      </p:sp>
+      <p:sp>
+        <p:nvSpPr>
+          <p:cNvPr id="4" name="Folienbildplatzhalter 3"/>
+          <p:cNvSpPr>
+            <a:spLocks noGrp="1" noRot="1" noChangeAspect="1"/>
+          </p:cNvSpPr>
+          <p:nvPr>
+            <p:ph type="sldImg" idx="2"/>
+          </p:nvPr>
+        </p:nvSpPr>
+        <p:spPr>
+          <a:xfrm>
+            <a:off x="685800" y="1143000"/>
+            <a:ext cx="5486400" cy="3086100"/>
+          </a:xfrm>
+          <a:prstGeom prst="rect">
+            <a:avLst/>
+          </a:prstGeom>
+          <a:noFill/>
+          <a:ln w="12700">
+            <a:solidFill>
+              <a:prstClr val="black"/>
+            </a:solidFill>
+          </a:ln>
+        </p:spPr>
+        <p:txBody>
+          <a:bodyPr vert="horz" lIns="91440" tIns="45720" rIns="91440" bIns="45720" rtlCol="0" anchor="ctr"/>
+          <a:lstStyle/>
+          <a:p>
+            <a:endParaRPr lang="de-DE"/>
+          </a:p>
+        </p:txBody>
+      </p:sp>
+      <p:sp>
+        <p:nvSpPr>
+          <p:cNvPr id="5" name="Notizenplatzhalter 4"/>
+          <p:cNvSpPr>
+            <a:spLocks noGrp="1"/>
+          </p:cNvSpPr>
+          <p:nvPr>
+            <p:ph type="body" sz="quarter" idx="3"/>
+          </p:nvPr>
+        </p:nvSpPr>
+        <p:spPr>
+          <a:xfrm>
+            <a:off x="685800" y="4400550"/>
+            <a:ext cx="5486400" cy="3600450"/>
+          </a:xfrm>
+          <a:prstGeom prst="rect">
+            <a:avLst/>
+          </a:prstGeom>
+        </p:spPr>
+        <p:txBody>
+          <a:bodyPr vert="horz" lIns="91440" tIns="45720" rIns="91440" bIns="45720" rtlCol="0"/>
+          <a:lstStyle/>
+          <a:p>
+            <a:pPr lvl="0"/>
+            <a:r>
+              <a:rPr lang="de-DE" smtClean="0"/>
+              <a:t>Textmasterformat bearbeiten</a:t>
+            </a:r>
+          </a:p>
+          <a:p>
+            <a:pPr lvl="1"/>
+            <a:r>
+              <a:rPr lang="de-DE" smtClean="0"/>
+              <a:t>Zweite Ebene</a:t>
+            </a:r>
+          </a:p>
+          <a:p>
+            <a:pPr lvl="2"/>
+            <a:r>
+              <a:rPr lang="de-DE" smtClean="0"/>
+              <a:t>Dritte Ebene</a:t>
+            </a:r>
+          </a:p>
+          <a:p>
+            <a:pPr lvl="3"/>
+            <a:r>
+              <a:rPr lang="de-DE" smtClean="0"/>
+              <a:t>Vierte Ebene</a:t>
+            </a:r>
+          </a:p>
+          <a:p>
+            <a:pPr lvl="4"/>
+            <a:r>
+              <a:rPr lang="de-DE" smtClean="0"/>
+              <a:t>Fünfte Ebene</a:t>
+            </a:r>
+            <a:endParaRPr lang="de-DE"/>
+          </a:p>
+        </p:txBody>
+      </p:sp>
+      <p:sp>
+        <p:nvSpPr>
+          <p:cNvPr id="6" name="Fußzeilenplatzhalter 5"/>
+          <p:cNvSpPr>
+            <a:spLocks noGrp="1"/>
+          </p:cNvSpPr>
+          <p:nvPr>
+            <p:ph type="ftr" sz="quarter" idx="4"/>
+          </p:nvPr>
+        </p:nvSpPr>
+        <p:spPr>
+          <a:xfrm>
+            <a:off x="0" y="8685213"/>
+            <a:ext cx="2971800" cy="458787"/>
+          </a:xfrm>
+          <a:prstGeom prst="rect">
+            <a:avLst/>
+          </a:prstGeom>
+        </p:spPr>
+        <p:txBody>
+          <a:bodyPr vert="horz" lIns="91440" tIns="45720" rIns="91440" bIns="45720" rtlCol="0" anchor="b"/>
+          <a:lstStyle>
+            <a:lvl1pPr algn="l">
+              <a:defRPr sz="1200"/>
+            </a:lvl1pPr>
+          </a:lstStyle>
+          <a:p>
+            <a:endParaRPr lang="de-DE"/>
+          </a:p>
+        </p:txBody>
+      </p:sp>
+      <p:sp>
+        <p:nvSpPr>
+          <p:cNvPr id="7" name="Foliennummernplatzhalter 6"/>
+          <p:cNvSpPr>
+            <a:spLocks noGrp="1"/>
+          </p:cNvSpPr>
+          <p:nvPr>
+            <p:ph type="sldNum" sz="quarter" idx="5"/>
+          </p:nvPr>
+        </p:nvSpPr>
+        <p:spPr>
+          <a:xfrm>
+            <a:off x="3884613" y="8685213"/>
+            <a:ext cx="2971800" cy="458787"/>
+          </a:xfrm>
+          <a:prstGeom prst="rect">
+            <a:avLst/>
+          </a:prstGeom>
+        </p:spPr>
+        <p:txBody>
+          <a:bodyPr vert="horz" lIns="91440" tIns="45720" rIns="91440" bIns="45720" rtlCol="0" anchor="b"/>
+          <a:lstStyle>
+            <a:lvl1pPr algn="r">
+              <a:defRPr sz="1200"/>
+            </a:lvl1pPr>
+          </a:lstStyle>
+          <a:p>
+            <a:fld id="{149DB253-2596-4545-A63B-537F5A1C1AFD}" type="slidenum">
+              <a:rPr lang="de-DE" smtClean="0"/>
+              <a:t>‹Nr.›</a:t>
+            </a:fld>
+            <a:endParaRPr lang="de-DE"/>
+          </a:p>
+        </p:txBody>
+      </p:sp>
+    </p:spTree>
+    <p:extLst>
+      <p:ext uri="{BB962C8B-B14F-4D97-AF65-F5344CB8AC3E}">
+        <p14:creationId xmlns:p14="http://schemas.microsoft.com/office/powerpoint/2010/main" val="1038836817"/>
+      </p:ext>
+    </p:extLst>
+  </p:cSld>
+  <p:clrMap bg1="lt1" tx1="dk1" bg2="lt2" tx2="dk2" accent1="accent1" accent2="accent2" accent3="accent3" accent4="accent4" accent5="accent5" accent6="accent6" hlink="hlink" folHlink="folHlink"/>
+  <p:notesStyle>
+    <a:lvl1pPr marL="0" algn="l" defTabSz="914400" rtl="0" eaLnBrk="1" latinLnBrk="0" hangingPunct="1">
+      <a:defRPr sz="1200" kern="1200">
+        <a:solidFill>
+          <a:schemeClr val="tx1"/>
+        </a:solidFill>
+        <a:latin typeface="+mn-lt"/>
+        <a:ea typeface="+mn-ea"/>
+        <a:cs typeface="+mn-cs"/>
+      </a:defRPr>
+    </a:lvl1pPr>
+    <a:lvl2pPr marL="457200" algn="l" defTabSz="914400" rtl="0" eaLnBrk="1" latinLnBrk="0" hangingPunct="1">
+      <a:defRPr sz="1200" kern="1200">
+        <a:solidFill>
+          <a:schemeClr val="tx1"/>
+        </a:solidFill>
+        <a:latin typeface="+mn-lt"/>
+        <a:ea typeface="+mn-ea"/>
+        <a:cs typeface="+mn-cs"/>
+      </a:defRPr>
+    </a:lvl2pPr>
+    <a:lvl3pPr marL="914400" algn="l" defTabSz="914400" rtl="0" eaLnBrk="1" latinLnBrk="0" hangingPunct="1">
+      <a:defRPr sz="1200" kern="1200">
+        <a:solidFill>
+          <a:schemeClr val="tx1"/>
+        </a:solidFill>
+        <a:latin typeface="+mn-lt"/>
+        <a:ea typeface="+mn-ea"/>
+        <a:cs typeface="+mn-cs"/>
+      </a:defRPr>
+    </a:lvl3pPr>
+    <a:lvl4pPr marL="1371600" algn="l" defTabSz="914400" rtl="0" eaLnBrk="1" latinLnBrk="0" hangingPunct="1">
+      <a:defRPr sz="1200" kern="1200">
+        <a:solidFill>
+          <a:schemeClr val="tx1"/>
+        </a:solidFill>
+        <a:latin typeface="+mn-lt"/>
+        <a:ea typeface="+mn-ea"/>
+        <a:cs typeface="+mn-cs"/>
+      </a:defRPr>
+    </a:lvl4pPr>
+    <a:lvl5pPr marL="1828800" algn="l" defTabSz="914400" rtl="0" eaLnBrk="1" latinLnBrk="0" hangingPunct="1">
+      <a:defRPr sz="1200" kern="1200">
+        <a:solidFill>
+          <a:schemeClr val="tx1"/>
+        </a:solidFill>
+        <a:latin typeface="+mn-lt"/>
+        <a:ea typeface="+mn-ea"/>
+        <a:cs typeface="+mn-cs"/>
+      </a:defRPr>
+    </a:lvl5pPr>
+    <a:lvl6pPr marL="2286000" algn="l" defTabSz="914400" rtl="0" eaLnBrk="1" latinLnBrk="0" hangingPunct="1">
+      <a:defRPr sz="1200" kern="1200">
+        <a:solidFill>
+          <a:schemeClr val="tx1"/>
+        </a:solidFill>
+        <a:latin typeface="+mn-lt"/>
+        <a:ea typeface="+mn-ea"/>
+        <a:cs typeface="+mn-cs"/>
+      </a:defRPr>
+    </a:lvl6pPr>
+    <a:lvl7pPr marL="2743200" algn="l" defTabSz="914400" rtl="0" eaLnBrk="1" latinLnBrk="0" hangingPunct="1">
+      <a:defRPr sz="1200" kern="1200">
+        <a:solidFill>
+          <a:schemeClr val="tx1"/>
+        </a:solidFill>
+        <a:latin typeface="+mn-lt"/>
+        <a:ea typeface="+mn-ea"/>
+        <a:cs typeface="+mn-cs"/>
+      </a:defRPr>
+    </a:lvl7pPr>
+    <a:lvl8pPr marL="3200400" algn="l" defTabSz="914400" rtl="0" eaLnBrk="1" latinLnBrk="0" hangingPunct="1">
+      <a:defRPr sz="1200" kern="1200">
+        <a:solidFill>
+          <a:schemeClr val="tx1"/>
+        </a:solidFill>
+        <a:latin typeface="+mn-lt"/>
+        <a:ea typeface="+mn-ea"/>
+        <a:cs typeface="+mn-cs"/>
+      </a:defRPr>
+    </a:lvl8pPr>
+    <a:lvl9pPr marL="3657600" algn="l" defTabSz="914400" rtl="0" eaLnBrk="1" latinLnBrk="0" hangingPunct="1">
+      <a:defRPr sz="1200" kern="1200">
+        <a:solidFill>
+          <a:schemeClr val="tx1"/>
+        </a:solidFill>
+        <a:latin typeface="+mn-lt"/>
+        <a:ea typeface="+mn-ea"/>
+        <a:cs typeface="+mn-cs"/>
+      </a:defRPr>
+    </a:lvl9pPr>
+  </p:notesStyle>
+</p:notesMaster>
+</file>
+
+<file path=ppt/notesSlides/notesSlide1.xml><?xml version="1.0" encoding="utf-8"?>
+<p:notes xmlns:a="http://schemas.openxmlformats.org/drawingml/2006/main" xmlns:r="http://schemas.openxmlformats.org/officeDocument/2006/relationships" xmlns:p="http://schemas.openxmlformats.org/presentationml/2006/main">
+  <p:cSld>
+    <p:spTree>
+      <p:nvGrpSpPr>
+        <p:cNvPr id="1" name=""/>
+        <p:cNvGrpSpPr/>
+        <p:nvPr/>
+      </p:nvGrpSpPr>
+      <p:grpSpPr>
+        <a:xfrm>
+          <a:off x="0" y="0"/>
+          <a:ext cx="0" cy="0"/>
+          <a:chOff x="0" y="0"/>
+          <a:chExt cx="0" cy="0"/>
+        </a:xfrm>
+      </p:grpSpPr>
+      <p:sp>
+        <p:nvSpPr>
+          <p:cNvPr id="2" name="Folienbildplatzhalter 1"/>
+          <p:cNvSpPr>
+            <a:spLocks noGrp="1" noRot="1" noChangeAspect="1"/>
+          </p:cNvSpPr>
+          <p:nvPr>
+            <p:ph type="sldImg"/>
+          </p:nvPr>
+        </p:nvSpPr>
+        <p:spPr/>
+      </p:sp>
+      <p:sp>
+        <p:nvSpPr>
+          <p:cNvPr id="3" name="Notizenplatzhalter 2"/>
+          <p:cNvSpPr>
+            <a:spLocks noGrp="1"/>
+          </p:cNvSpPr>
+          <p:nvPr>
+            <p:ph type="body" idx="1"/>
+          </p:nvPr>
+        </p:nvSpPr>
+        <p:spPr/>
+        <p:txBody>
+          <a:bodyPr/>
+          <a:lstStyle/>
+          <a:p>
+            <a:endParaRPr lang="de-DE"/>
+          </a:p>
+        </p:txBody>
+      </p:sp>
+      <p:sp>
+        <p:nvSpPr>
+          <p:cNvPr id="4" name="Foliennummernplatzhalter 3"/>
+          <p:cNvSpPr>
+            <a:spLocks noGrp="1"/>
+          </p:cNvSpPr>
+          <p:nvPr>
+            <p:ph type="sldNum" sz="quarter" idx="10"/>
+          </p:nvPr>
+        </p:nvSpPr>
+        <p:spPr/>
+        <p:txBody>
+          <a:bodyPr/>
+          <a:lstStyle/>
+          <a:p>
+            <a:fld id="{149DB253-2596-4545-A63B-537F5A1C1AFD}" type="slidenum">
+              <a:rPr lang="de-DE" smtClean="0"/>
+              <a:t>1</a:t>
+            </a:fld>
+            <a:endParaRPr lang="de-DE"/>
+          </a:p>
+        </p:txBody>
+      </p:sp>
+    </p:spTree>
+    <p:extLst>
+      <p:ext uri="{BB962C8B-B14F-4D97-AF65-F5344CB8AC3E}">
+        <p14:creationId xmlns:p14="http://schemas.microsoft.com/office/powerpoint/2010/main" val="3678506011"/>
+      </p:ext>
+    </p:extLst>
+  </p:cSld>
+  <p:clrMapOvr>
+    <a:masterClrMapping/>
+  </p:clrMapOvr>
+</p:notes>
 </file>
 
 <file path=ppt/slideLayouts/slideLayout1.xml><?xml version="1.0" encoding="utf-8"?>
@@ -162,7 +604,7 @@
           <a:noFill/>
           <a:extLst>
             <a:ext uri="{909E8E84-426E-40dd-AFC4-6F175D3DCCD1}">
-              <a14:hiddenFill xmlns:a14="http://schemas.microsoft.com/office/drawing/2010/main" xmlns="">
+              <a14:hiddenFill xmlns="" xmlns:a14="http://schemas.microsoft.com/office/drawing/2010/main">
                 <a:solidFill>
                   <a:srgbClr val="FFFFFF"/>
                 </a:solidFill>
@@ -222,7 +664,7 @@
             </a:ln>
             <a:extLst>
               <a:ext uri="{91240B29-F687-4f45-9708-019B960494DF}">
-                <a14:hiddenLine xmlns:a14="http://schemas.microsoft.com/office/drawing/2010/main" xmlns="" w="9525">
+                <a14:hiddenLine xmlns="" xmlns:a14="http://schemas.microsoft.com/office/drawing/2010/main" w="9525">
                   <a:solidFill>
                     <a:srgbClr val="000000"/>
                   </a:solidFill>
@@ -312,7 +754,7 @@
             </a:ln>
             <a:extLst>
               <a:ext uri="{91240B29-F687-4f45-9708-019B960494DF}">
-                <a14:hiddenLine xmlns:a14="http://schemas.microsoft.com/office/drawing/2010/main" xmlns="" w="9525">
+                <a14:hiddenLine xmlns="" xmlns:a14="http://schemas.microsoft.com/office/drawing/2010/main" w="9525">
                   <a:solidFill>
                     <a:srgbClr val="000000"/>
                   </a:solidFill>
@@ -402,7 +844,7 @@
             </a:ln>
             <a:extLst>
               <a:ext uri="{91240B29-F687-4f45-9708-019B960494DF}">
-                <a14:hiddenLine xmlns:a14="http://schemas.microsoft.com/office/drawing/2010/main" xmlns="" w="9525">
+                <a14:hiddenLine xmlns="" xmlns:a14="http://schemas.microsoft.com/office/drawing/2010/main" w="9525">
                   <a:solidFill>
                     <a:srgbClr val="000000"/>
                   </a:solidFill>
@@ -436,7 +878,7 @@
             </a:ln>
             <a:extLst>
               <a:ext uri="{91240B29-F687-4f45-9708-019B960494DF}">
-                <a14:hiddenLine xmlns:a14="http://schemas.microsoft.com/office/drawing/2010/main" xmlns="" w="9525">
+                <a14:hiddenLine xmlns="" xmlns:a14="http://schemas.microsoft.com/office/drawing/2010/main" w="9525">
                   <a:solidFill>
                     <a:srgbClr val="000000"/>
                   </a:solidFill>
@@ -526,7 +968,7 @@
             </a:ln>
             <a:extLst>
               <a:ext uri="{91240B29-F687-4f45-9708-019B960494DF}">
-                <a14:hiddenLine xmlns:a14="http://schemas.microsoft.com/office/drawing/2010/main" xmlns="" w="9525">
+                <a14:hiddenLine xmlns="" xmlns:a14="http://schemas.microsoft.com/office/drawing/2010/main" w="9525">
                   <a:solidFill>
                     <a:srgbClr val="000000"/>
                   </a:solidFill>
@@ -588,7 +1030,7 @@
             </a:ln>
             <a:extLst>
               <a:ext uri="{91240B29-F687-4f45-9708-019B960494DF}">
-                <a14:hiddenLine xmlns:a14="http://schemas.microsoft.com/office/drawing/2010/main" xmlns="" w="9525">
+                <a14:hiddenLine xmlns="" xmlns:a14="http://schemas.microsoft.com/office/drawing/2010/main" w="9525">
                   <a:solidFill>
                     <a:srgbClr val="000000"/>
                   </a:solidFill>
@@ -650,7 +1092,7 @@
             </a:ln>
             <a:extLst>
               <a:ext uri="{91240B29-F687-4f45-9708-019B960494DF}">
-                <a14:hiddenLine xmlns:a14="http://schemas.microsoft.com/office/drawing/2010/main" xmlns="" w="9525">
+                <a14:hiddenLine xmlns="" xmlns:a14="http://schemas.microsoft.com/office/drawing/2010/main" w="9525">
                   <a:solidFill>
                     <a:srgbClr val="000000"/>
                   </a:solidFill>
@@ -740,7 +1182,7 @@
             </a:ln>
             <a:extLst>
               <a:ext uri="{91240B29-F687-4f45-9708-019B960494DF}">
-                <a14:hiddenLine xmlns:a14="http://schemas.microsoft.com/office/drawing/2010/main" xmlns="" w="9525">
+                <a14:hiddenLine xmlns="" xmlns:a14="http://schemas.microsoft.com/office/drawing/2010/main" w="9525">
                   <a:solidFill>
                     <a:srgbClr val="000000"/>
                   </a:solidFill>
@@ -802,7 +1244,7 @@
             </a:ln>
             <a:extLst>
               <a:ext uri="{91240B29-F687-4f45-9708-019B960494DF}">
-                <a14:hiddenLine xmlns:a14="http://schemas.microsoft.com/office/drawing/2010/main" xmlns="" w="9525">
+                <a14:hiddenLine xmlns="" xmlns:a14="http://schemas.microsoft.com/office/drawing/2010/main" w="9525">
                   <a:solidFill>
                     <a:srgbClr val="000000"/>
                   </a:solidFill>
@@ -864,7 +1306,7 @@
             </a:ln>
             <a:extLst>
               <a:ext uri="{91240B29-F687-4f45-9708-019B960494DF}">
-                <a14:hiddenLine xmlns:a14="http://schemas.microsoft.com/office/drawing/2010/main" xmlns="" w="9525">
+                <a14:hiddenLine xmlns="" xmlns:a14="http://schemas.microsoft.com/office/drawing/2010/main" w="9525">
                   <a:solidFill>
                     <a:srgbClr val="000000"/>
                   </a:solidFill>
@@ -954,7 +1396,7 @@
             </a:ln>
             <a:extLst>
               <a:ext uri="{91240B29-F687-4f45-9708-019B960494DF}">
-                <a14:hiddenLine xmlns:a14="http://schemas.microsoft.com/office/drawing/2010/main" xmlns="" w="9525">
+                <a14:hiddenLine xmlns="" xmlns:a14="http://schemas.microsoft.com/office/drawing/2010/main" w="9525">
                   <a:solidFill>
                     <a:srgbClr val="000000"/>
                   </a:solidFill>
@@ -1044,7 +1486,7 @@
             </a:ln>
             <a:extLst>
               <a:ext uri="{91240B29-F687-4f45-9708-019B960494DF}">
-                <a14:hiddenLine xmlns:a14="http://schemas.microsoft.com/office/drawing/2010/main" xmlns="" w="9525">
+                <a14:hiddenLine xmlns="" xmlns:a14="http://schemas.microsoft.com/office/drawing/2010/main" w="9525">
                   <a:solidFill>
                     <a:srgbClr val="000000"/>
                   </a:solidFill>
@@ -1106,7 +1548,7 @@
             </a:ln>
             <a:extLst>
               <a:ext uri="{91240B29-F687-4f45-9708-019B960494DF}">
-                <a14:hiddenLine xmlns:a14="http://schemas.microsoft.com/office/drawing/2010/main" xmlns="" w="9525">
+                <a14:hiddenLine xmlns="" xmlns:a14="http://schemas.microsoft.com/office/drawing/2010/main" w="9525">
                   <a:solidFill>
                     <a:srgbClr val="000000"/>
                   </a:solidFill>
@@ -1216,7 +1658,7 @@
             </a:ln>
             <a:extLst>
               <a:ext uri="{91240B29-F687-4f45-9708-019B960494DF}">
-                <a14:hiddenLine xmlns:a14="http://schemas.microsoft.com/office/drawing/2010/main" xmlns="" w="9525">
+                <a14:hiddenLine xmlns="" xmlns:a14="http://schemas.microsoft.com/office/drawing/2010/main" w="9525">
                   <a:solidFill>
                     <a:srgbClr val="000000"/>
                   </a:solidFill>
@@ -1278,7 +1720,7 @@
             </a:ln>
             <a:extLst>
               <a:ext uri="{91240B29-F687-4f45-9708-019B960494DF}">
-                <a14:hiddenLine xmlns:a14="http://schemas.microsoft.com/office/drawing/2010/main" xmlns="" w="9525">
+                <a14:hiddenLine xmlns="" xmlns:a14="http://schemas.microsoft.com/office/drawing/2010/main" w="9525">
                   <a:solidFill>
                     <a:srgbClr val="000000"/>
                   </a:solidFill>
@@ -1368,7 +1810,7 @@
             </a:ln>
             <a:extLst>
               <a:ext uri="{91240B29-F687-4f45-9708-019B960494DF}">
-                <a14:hiddenLine xmlns:a14="http://schemas.microsoft.com/office/drawing/2010/main" xmlns="" w="9525">
+                <a14:hiddenLine xmlns="" xmlns:a14="http://schemas.microsoft.com/office/drawing/2010/main" w="9525">
                   <a:solidFill>
                     <a:srgbClr val="000000"/>
                   </a:solidFill>
@@ -1458,7 +1900,7 @@
             </a:ln>
             <a:extLst>
               <a:ext uri="{91240B29-F687-4f45-9708-019B960494DF}">
-                <a14:hiddenLine xmlns:a14="http://schemas.microsoft.com/office/drawing/2010/main" xmlns="" w="9525">
+                <a14:hiddenLine xmlns="" xmlns:a14="http://schemas.microsoft.com/office/drawing/2010/main" w="9525">
                   <a:solidFill>
                     <a:srgbClr val="000000"/>
                   </a:solidFill>
@@ -1520,7 +1962,7 @@
             </a:ln>
             <a:extLst>
               <a:ext uri="{91240B29-F687-4f45-9708-019B960494DF}">
-                <a14:hiddenLine xmlns:a14="http://schemas.microsoft.com/office/drawing/2010/main" xmlns="" w="9525">
+                <a14:hiddenLine xmlns="" xmlns:a14="http://schemas.microsoft.com/office/drawing/2010/main" w="9525">
                   <a:solidFill>
                     <a:srgbClr val="000000"/>
                   </a:solidFill>
@@ -1610,7 +2052,7 @@
             </a:ln>
             <a:extLst>
               <a:ext uri="{91240B29-F687-4f45-9708-019B960494DF}">
-                <a14:hiddenLine xmlns:a14="http://schemas.microsoft.com/office/drawing/2010/main" xmlns="" w="9525">
+                <a14:hiddenLine xmlns="" xmlns:a14="http://schemas.microsoft.com/office/drawing/2010/main" w="9525">
                   <a:solidFill>
                     <a:srgbClr val="000000"/>
                   </a:solidFill>
@@ -1700,7 +2142,7 @@
             </a:ln>
             <a:extLst>
               <a:ext uri="{91240B29-F687-4f45-9708-019B960494DF}">
-                <a14:hiddenLine xmlns:a14="http://schemas.microsoft.com/office/drawing/2010/main" xmlns="" w="9525">
+                <a14:hiddenLine xmlns="" xmlns:a14="http://schemas.microsoft.com/office/drawing/2010/main" w="9525">
                   <a:solidFill>
                     <a:srgbClr val="000000"/>
                   </a:solidFill>
@@ -1756,7 +2198,7 @@
             </a:ln>
             <a:extLst>
               <a:ext uri="{91240B29-F687-4f45-9708-019B960494DF}">
-                <a14:hiddenLine xmlns:a14="http://schemas.microsoft.com/office/drawing/2010/main" xmlns="" w="9525">
+                <a14:hiddenLine xmlns="" xmlns:a14="http://schemas.microsoft.com/office/drawing/2010/main" w="9525">
                   <a:solidFill>
                     <a:srgbClr val="000000"/>
                   </a:solidFill>
@@ -1846,7 +2288,7 @@
             </a:ln>
             <a:extLst>
               <a:ext uri="{91240B29-F687-4f45-9708-019B960494DF}">
-                <a14:hiddenLine xmlns:a14="http://schemas.microsoft.com/office/drawing/2010/main" xmlns="" w="9525">
+                <a14:hiddenLine xmlns="" xmlns:a14="http://schemas.microsoft.com/office/drawing/2010/main" w="9525">
                   <a:solidFill>
                     <a:srgbClr val="000000"/>
                   </a:solidFill>
@@ -1902,7 +2344,7 @@
             </a:ln>
             <a:extLst>
               <a:ext uri="{91240B29-F687-4f45-9708-019B960494DF}">
-                <a14:hiddenLine xmlns:a14="http://schemas.microsoft.com/office/drawing/2010/main" xmlns="" w="9525">
+                <a14:hiddenLine xmlns="" xmlns:a14="http://schemas.microsoft.com/office/drawing/2010/main" w="9525">
                   <a:solidFill>
                     <a:srgbClr val="000000"/>
                   </a:solidFill>
@@ -1992,7 +2434,7 @@
             </a:ln>
             <a:extLst>
               <a:ext uri="{91240B29-F687-4f45-9708-019B960494DF}">
-                <a14:hiddenLine xmlns:a14="http://schemas.microsoft.com/office/drawing/2010/main" xmlns="" w="9525">
+                <a14:hiddenLine xmlns="" xmlns:a14="http://schemas.microsoft.com/office/drawing/2010/main" w="9525">
                   <a:solidFill>
                     <a:srgbClr val="000000"/>
                   </a:solidFill>
@@ -2060,7 +2502,7 @@
             </a:ln>
             <a:extLst>
               <a:ext uri="{91240B29-F687-4f45-9708-019B960494DF}">
-                <a14:hiddenLine xmlns:a14="http://schemas.microsoft.com/office/drawing/2010/main" xmlns="" w="9525">
+                <a14:hiddenLine xmlns="" xmlns:a14="http://schemas.microsoft.com/office/drawing/2010/main" w="9525">
                   <a:solidFill>
                     <a:srgbClr val="000000"/>
                   </a:solidFill>
@@ -2150,7 +2592,7 @@
             </a:ln>
             <a:extLst>
               <a:ext uri="{91240B29-F687-4f45-9708-019B960494DF}">
-                <a14:hiddenLine xmlns:a14="http://schemas.microsoft.com/office/drawing/2010/main" xmlns="" w="9525">
+                <a14:hiddenLine xmlns="" xmlns:a14="http://schemas.microsoft.com/office/drawing/2010/main" w="9525">
                   <a:solidFill>
                     <a:srgbClr val="000000"/>
                   </a:solidFill>
@@ -2218,7 +2660,7 @@
             </a:ln>
             <a:extLst>
               <a:ext uri="{91240B29-F687-4f45-9708-019B960494DF}">
-                <a14:hiddenLine xmlns:a14="http://schemas.microsoft.com/office/drawing/2010/main" xmlns="" w="9525">
+                <a14:hiddenLine xmlns="" xmlns:a14="http://schemas.microsoft.com/office/drawing/2010/main" w="9525">
                   <a:solidFill>
                     <a:srgbClr val="000000"/>
                   </a:solidFill>
@@ -2308,7 +2750,7 @@
             </a:ln>
             <a:extLst>
               <a:ext uri="{91240B29-F687-4f45-9708-019B960494DF}">
-                <a14:hiddenLine xmlns:a14="http://schemas.microsoft.com/office/drawing/2010/main" xmlns="" w="9525">
+                <a14:hiddenLine xmlns="" xmlns:a14="http://schemas.microsoft.com/office/drawing/2010/main" w="9525">
                   <a:solidFill>
                     <a:srgbClr val="000000"/>
                   </a:solidFill>
@@ -2342,7 +2784,7 @@
             </a:ln>
             <a:extLst>
               <a:ext uri="{91240B29-F687-4f45-9708-019B960494DF}">
-                <a14:hiddenLine xmlns:a14="http://schemas.microsoft.com/office/drawing/2010/main" xmlns="" w="9525">
+                <a14:hiddenLine xmlns="" xmlns:a14="http://schemas.microsoft.com/office/drawing/2010/main" w="9525">
                   <a:solidFill>
                     <a:srgbClr val="000000"/>
                   </a:solidFill>
@@ -2432,7 +2874,7 @@
             </a:ln>
             <a:extLst>
               <a:ext uri="{91240B29-F687-4f45-9708-019B960494DF}">
-                <a14:hiddenLine xmlns:a14="http://schemas.microsoft.com/office/drawing/2010/main" xmlns="" w="9525">
+                <a14:hiddenLine xmlns="" xmlns:a14="http://schemas.microsoft.com/office/drawing/2010/main" w="9525">
                   <a:solidFill>
                     <a:srgbClr val="000000"/>
                   </a:solidFill>
@@ -2494,7 +2936,7 @@
             </a:ln>
             <a:extLst>
               <a:ext uri="{91240B29-F687-4f45-9708-019B960494DF}">
-                <a14:hiddenLine xmlns:a14="http://schemas.microsoft.com/office/drawing/2010/main" xmlns="" w="9525">
+                <a14:hiddenLine xmlns="" xmlns:a14="http://schemas.microsoft.com/office/drawing/2010/main" w="9525">
                   <a:solidFill>
                     <a:srgbClr val="000000"/>
                   </a:solidFill>
@@ -2556,7 +2998,7 @@
             </a:ln>
             <a:extLst>
               <a:ext uri="{91240B29-F687-4f45-9708-019B960494DF}">
-                <a14:hiddenLine xmlns:a14="http://schemas.microsoft.com/office/drawing/2010/main" xmlns="" w="9525">
+                <a14:hiddenLine xmlns="" xmlns:a14="http://schemas.microsoft.com/office/drawing/2010/main" w="9525">
                   <a:solidFill>
                     <a:srgbClr val="000000"/>
                   </a:solidFill>
@@ -2646,7 +3088,7 @@
             </a:ln>
             <a:extLst>
               <a:ext uri="{91240B29-F687-4f45-9708-019B960494DF}">
-                <a14:hiddenLine xmlns:a14="http://schemas.microsoft.com/office/drawing/2010/main" xmlns="" w="9525">
+                <a14:hiddenLine xmlns="" xmlns:a14="http://schemas.microsoft.com/office/drawing/2010/main" w="9525">
                   <a:solidFill>
                     <a:srgbClr val="000000"/>
                   </a:solidFill>
@@ -2714,7 +3156,7 @@
             </a:ln>
             <a:extLst>
               <a:ext uri="{91240B29-F687-4f45-9708-019B960494DF}">
-                <a14:hiddenLine xmlns:a14="http://schemas.microsoft.com/office/drawing/2010/main" xmlns="" w="9525">
+                <a14:hiddenLine xmlns="" xmlns:a14="http://schemas.microsoft.com/office/drawing/2010/main" w="9525">
                   <a:solidFill>
                     <a:srgbClr val="000000"/>
                   </a:solidFill>
@@ -2776,7 +3218,7 @@
             </a:ln>
             <a:extLst>
               <a:ext uri="{91240B29-F687-4f45-9708-019B960494DF}">
-                <a14:hiddenLine xmlns:a14="http://schemas.microsoft.com/office/drawing/2010/main" xmlns="" w="9525">
+                <a14:hiddenLine xmlns="" xmlns:a14="http://schemas.microsoft.com/office/drawing/2010/main" w="9525">
                   <a:solidFill>
                     <a:srgbClr val="000000"/>
                   </a:solidFill>
@@ -2866,7 +3308,7 @@
             </a:ln>
             <a:extLst>
               <a:ext uri="{91240B29-F687-4f45-9708-019B960494DF}">
-                <a14:hiddenLine xmlns:a14="http://schemas.microsoft.com/office/drawing/2010/main" xmlns="" w="9525">
+                <a14:hiddenLine xmlns="" xmlns:a14="http://schemas.microsoft.com/office/drawing/2010/main" w="9525">
                   <a:solidFill>
                     <a:srgbClr val="000000"/>
                   </a:solidFill>
@@ -2928,7 +3370,7 @@
             </a:ln>
             <a:extLst>
               <a:ext uri="{91240B29-F687-4f45-9708-019B960494DF}">
-                <a14:hiddenLine xmlns:a14="http://schemas.microsoft.com/office/drawing/2010/main" xmlns="" w="9525">
+                <a14:hiddenLine xmlns="" xmlns:a14="http://schemas.microsoft.com/office/drawing/2010/main" w="9525">
                   <a:solidFill>
                     <a:srgbClr val="000000"/>
                   </a:solidFill>
@@ -3018,7 +3460,7 @@
             </a:ln>
             <a:extLst>
               <a:ext uri="{91240B29-F687-4f45-9708-019B960494DF}">
-                <a14:hiddenLine xmlns:a14="http://schemas.microsoft.com/office/drawing/2010/main" xmlns="" w="9525">
+                <a14:hiddenLine xmlns="" xmlns:a14="http://schemas.microsoft.com/office/drawing/2010/main" w="9525">
                   <a:solidFill>
                     <a:srgbClr val="000000"/>
                   </a:solidFill>
@@ -3080,7 +3522,7 @@
             </a:ln>
             <a:extLst>
               <a:ext uri="{91240B29-F687-4f45-9708-019B960494DF}">
-                <a14:hiddenLine xmlns:a14="http://schemas.microsoft.com/office/drawing/2010/main" xmlns="" w="9525">
+                <a14:hiddenLine xmlns="" xmlns:a14="http://schemas.microsoft.com/office/drawing/2010/main" w="9525">
                   <a:solidFill>
                     <a:srgbClr val="000000"/>
                   </a:solidFill>
@@ -3170,7 +3612,7 @@
             </a:ln>
             <a:extLst>
               <a:ext uri="{91240B29-F687-4f45-9708-019B960494DF}">
-                <a14:hiddenLine xmlns:a14="http://schemas.microsoft.com/office/drawing/2010/main" xmlns="" w="9525">
+                <a14:hiddenLine xmlns="" xmlns:a14="http://schemas.microsoft.com/office/drawing/2010/main" w="9525">
                   <a:solidFill>
                     <a:srgbClr val="000000"/>
                   </a:solidFill>
@@ -3204,7 +3646,7 @@
             </a:ln>
             <a:extLst>
               <a:ext uri="{91240B29-F687-4f45-9708-019B960494DF}">
-                <a14:hiddenLine xmlns:a14="http://schemas.microsoft.com/office/drawing/2010/main" xmlns="" w="9525">
+                <a14:hiddenLine xmlns="" xmlns:a14="http://schemas.microsoft.com/office/drawing/2010/main" w="9525">
                   <a:solidFill>
                     <a:srgbClr val="000000"/>
                   </a:solidFill>
@@ -3269,7 +3711,7 @@
             </a:ln>
             <a:extLst>
               <a:ext uri="{91240B29-F687-4f45-9708-019B960494DF}">
-                <a14:hiddenLine xmlns:a14="http://schemas.microsoft.com/office/drawing/2010/main" xmlns="" w="9525">
+                <a14:hiddenLine xmlns="" xmlns:a14="http://schemas.microsoft.com/office/drawing/2010/main" w="9525">
                   <a:solidFill>
                     <a:srgbClr val="000000"/>
                   </a:solidFill>
@@ -3359,7 +3801,7 @@
             </a:ln>
             <a:extLst>
               <a:ext uri="{91240B29-F687-4f45-9708-019B960494DF}">
-                <a14:hiddenLine xmlns:a14="http://schemas.microsoft.com/office/drawing/2010/main" xmlns="" w="9525">
+                <a14:hiddenLine xmlns="" xmlns:a14="http://schemas.microsoft.com/office/drawing/2010/main" w="9525">
                   <a:solidFill>
                     <a:srgbClr val="000000"/>
                   </a:solidFill>
@@ -3421,7 +3863,7 @@
             </a:ln>
             <a:extLst>
               <a:ext uri="{91240B29-F687-4f45-9708-019B960494DF}">
-                <a14:hiddenLine xmlns:a14="http://schemas.microsoft.com/office/drawing/2010/main" xmlns="" w="9525">
+                <a14:hiddenLine xmlns="" xmlns:a14="http://schemas.microsoft.com/office/drawing/2010/main" w="9525">
                   <a:solidFill>
                     <a:srgbClr val="000000"/>
                   </a:solidFill>
@@ -3511,7 +3953,7 @@
             </a:ln>
             <a:extLst>
               <a:ext uri="{91240B29-F687-4f45-9708-019B960494DF}">
-                <a14:hiddenLine xmlns:a14="http://schemas.microsoft.com/office/drawing/2010/main" xmlns="" w="9525">
+                <a14:hiddenLine xmlns="" xmlns:a14="http://schemas.microsoft.com/office/drawing/2010/main" w="9525">
                   <a:solidFill>
                     <a:srgbClr val="000000"/>
                   </a:solidFill>
@@ -3601,7 +4043,7 @@
             </a:ln>
             <a:extLst>
               <a:ext uri="{91240B29-F687-4f45-9708-019B960494DF}">
-                <a14:hiddenLine xmlns:a14="http://schemas.microsoft.com/office/drawing/2010/main" xmlns="" w="9525">
+                <a14:hiddenLine xmlns="" xmlns:a14="http://schemas.microsoft.com/office/drawing/2010/main" w="9525">
                   <a:solidFill>
                     <a:srgbClr val="000000"/>
                   </a:solidFill>
@@ -3666,7 +4108,7 @@
             </a:ln>
             <a:extLst>
               <a:ext uri="{91240B29-F687-4f45-9708-019B960494DF}">
-                <a14:hiddenLine xmlns:a14="http://schemas.microsoft.com/office/drawing/2010/main" xmlns="" w="9525">
+                <a14:hiddenLine xmlns="" xmlns:a14="http://schemas.microsoft.com/office/drawing/2010/main" w="9525">
                   <a:solidFill>
                     <a:srgbClr val="000000"/>
                   </a:solidFill>
@@ -3728,7 +4170,7 @@
             </a:ln>
             <a:extLst>
               <a:ext uri="{91240B29-F687-4f45-9708-019B960494DF}">
-                <a14:hiddenLine xmlns:a14="http://schemas.microsoft.com/office/drawing/2010/main" xmlns="" w="9525">
+                <a14:hiddenLine xmlns="" xmlns:a14="http://schemas.microsoft.com/office/drawing/2010/main" w="9525">
                   <a:solidFill>
                     <a:srgbClr val="000000"/>
                   </a:solidFill>
@@ -3818,7 +4260,7 @@
             </a:ln>
             <a:extLst>
               <a:ext uri="{91240B29-F687-4f45-9708-019B960494DF}">
-                <a14:hiddenLine xmlns:a14="http://schemas.microsoft.com/office/drawing/2010/main" xmlns="" w="9525">
+                <a14:hiddenLine xmlns="" xmlns:a14="http://schemas.microsoft.com/office/drawing/2010/main" w="9525">
                   <a:solidFill>
                     <a:srgbClr val="000000"/>
                   </a:solidFill>
@@ -3908,7 +4350,7 @@
             </a:ln>
             <a:extLst>
               <a:ext uri="{91240B29-F687-4f45-9708-019B960494DF}">
-                <a14:hiddenLine xmlns:a14="http://schemas.microsoft.com/office/drawing/2010/main" xmlns="" w="9525">
+                <a14:hiddenLine xmlns="" xmlns:a14="http://schemas.microsoft.com/office/drawing/2010/main" w="9525">
                   <a:solidFill>
                     <a:srgbClr val="000000"/>
                   </a:solidFill>
@@ -3970,7 +4412,7 @@
             </a:ln>
             <a:extLst>
               <a:ext uri="{91240B29-F687-4f45-9708-019B960494DF}">
-                <a14:hiddenLine xmlns:a14="http://schemas.microsoft.com/office/drawing/2010/main" xmlns="" w="9525">
+                <a14:hiddenLine xmlns="" xmlns:a14="http://schemas.microsoft.com/office/drawing/2010/main" w="9525">
                   <a:solidFill>
                     <a:srgbClr val="000000"/>
                   </a:solidFill>
@@ -4090,7 +4532,7 @@
             </a:ln>
             <a:extLst>
               <a:ext uri="{91240B29-F687-4f45-9708-019B960494DF}">
-                <a14:hiddenLine xmlns:a14="http://schemas.microsoft.com/office/drawing/2010/main" xmlns="" w="9525">
+                <a14:hiddenLine xmlns="" xmlns:a14="http://schemas.microsoft.com/office/drawing/2010/main" w="9525">
                   <a:solidFill>
                     <a:srgbClr val="000000"/>
                   </a:solidFill>
@@ -4158,7 +4600,7 @@
             </a:ln>
             <a:extLst>
               <a:ext uri="{91240B29-F687-4f45-9708-019B960494DF}">
-                <a14:hiddenLine xmlns:a14="http://schemas.microsoft.com/office/drawing/2010/main" xmlns="" w="9525">
+                <a14:hiddenLine xmlns="" xmlns:a14="http://schemas.microsoft.com/office/drawing/2010/main" w="9525">
                   <a:solidFill>
                     <a:srgbClr val="000000"/>
                   </a:solidFill>
@@ -4248,7 +4690,7 @@
             </a:ln>
             <a:extLst>
               <a:ext uri="{91240B29-F687-4f45-9708-019B960494DF}">
-                <a14:hiddenLine xmlns:a14="http://schemas.microsoft.com/office/drawing/2010/main" xmlns="" w="9525">
+                <a14:hiddenLine xmlns="" xmlns:a14="http://schemas.microsoft.com/office/drawing/2010/main" w="9525">
                   <a:solidFill>
                     <a:srgbClr val="000000"/>
                   </a:solidFill>
@@ -4386,9 +4828,9 @@
           <a:bodyPr/>
           <a:lstStyle/>
           <a:p>
-            <a:fld id="{AA13FC52-0F1E-42D6-B81E-3FDA49A4B146}" type="datetimeFigureOut">
+            <a:fld id="{E0815A47-ED76-4054-919E-27B12B17A27B}" type="datetime1">
               <a:rPr lang="de-DE" smtClean="0"/>
-              <a:t>06.06.2018</a:t>
+              <a:t>07.06.2018</a:t>
             </a:fld>
             <a:endParaRPr lang="de-DE"/>
           </a:p>
@@ -4653,9 +5095,9 @@
           <a:bodyPr/>
           <a:lstStyle/>
           <a:p>
-            <a:fld id="{AA13FC52-0F1E-42D6-B81E-3FDA49A4B146}" type="datetimeFigureOut">
+            <a:fld id="{065650C7-B369-4F64-9198-C35A7CDC3E3A}" type="datetime1">
               <a:rPr lang="de-DE" smtClean="0"/>
-              <a:t>06.06.2018</a:t>
+              <a:t>07.06.2018</a:t>
             </a:fld>
             <a:endParaRPr lang="de-DE"/>
           </a:p>
@@ -4849,9 +5291,9 @@
           <a:bodyPr/>
           <a:lstStyle/>
           <a:p>
-            <a:fld id="{AA13FC52-0F1E-42D6-B81E-3FDA49A4B146}" type="datetimeFigureOut">
+            <a:fld id="{A4BFAC8C-5BBD-4C83-8C66-81E6C988827E}" type="datetime1">
               <a:rPr lang="de-DE" smtClean="0"/>
-              <a:t>06.06.2018</a:t>
+              <a:t>07.06.2018</a:t>
             </a:fld>
             <a:endParaRPr lang="de-DE"/>
           </a:p>
@@ -5112,9 +5554,9 @@
           <a:bodyPr/>
           <a:lstStyle/>
           <a:p>
-            <a:fld id="{AA13FC52-0F1E-42D6-B81E-3FDA49A4B146}" type="datetimeFigureOut">
+            <a:fld id="{2499B8E4-2102-4187-B717-5B244A2AD2D0}" type="datetime1">
               <a:rPr lang="de-DE" smtClean="0"/>
-              <a:t>06.06.2018</a:t>
+              <a:t>07.06.2018</a:t>
             </a:fld>
             <a:endParaRPr lang="de-DE"/>
           </a:p>
@@ -5546,9 +5988,9 @@
           <a:bodyPr/>
           <a:lstStyle/>
           <a:p>
-            <a:fld id="{AA13FC52-0F1E-42D6-B81E-3FDA49A4B146}" type="datetimeFigureOut">
+            <a:fld id="{6F2A6413-7A08-4F18-B8CE-95C7574B7158}" type="datetime1">
               <a:rPr lang="de-DE" smtClean="0"/>
-              <a:t>06.06.2018</a:t>
+              <a:t>07.06.2018</a:t>
             </a:fld>
             <a:endParaRPr lang="de-DE"/>
           </a:p>
@@ -6092,9 +6534,9 @@
           <a:bodyPr/>
           <a:lstStyle/>
           <a:p>
-            <a:fld id="{AA13FC52-0F1E-42D6-B81E-3FDA49A4B146}" type="datetimeFigureOut">
+            <a:fld id="{F3C0C5CE-E35D-4D11-A2C5-DD8CE3BD63F3}" type="datetime1">
               <a:rPr lang="de-DE" smtClean="0"/>
-              <a:t>06.06.2018</a:t>
+              <a:t>07.06.2018</a:t>
             </a:fld>
             <a:endParaRPr lang="de-DE"/>
           </a:p>
@@ -6812,9 +7254,9 @@
           <a:bodyPr/>
           <a:lstStyle/>
           <a:p>
-            <a:fld id="{AA13FC52-0F1E-42D6-B81E-3FDA49A4B146}" type="datetimeFigureOut">
+            <a:fld id="{9D1C42E4-30F1-4CE4-9A73-74C4372CD8A0}" type="datetime1">
               <a:rPr lang="de-DE" smtClean="0"/>
-              <a:t>06.06.2018</a:t>
+              <a:t>07.06.2018</a:t>
             </a:fld>
             <a:endParaRPr lang="de-DE"/>
           </a:p>
@@ -6982,9 +7424,9 @@
           <a:bodyPr/>
           <a:lstStyle/>
           <a:p>
-            <a:fld id="{AA13FC52-0F1E-42D6-B81E-3FDA49A4B146}" type="datetimeFigureOut">
+            <a:fld id="{D18EAF7F-3ADC-40AA-95D2-90C6831A1571}" type="datetime1">
               <a:rPr lang="de-DE" smtClean="0"/>
-              <a:t>06.06.2018</a:t>
+              <a:t>07.06.2018</a:t>
             </a:fld>
             <a:endParaRPr lang="de-DE"/>
           </a:p>
@@ -7162,9 +7604,9 @@
           <a:bodyPr/>
           <a:lstStyle/>
           <a:p>
-            <a:fld id="{AA13FC52-0F1E-42D6-B81E-3FDA49A4B146}" type="datetimeFigureOut">
+            <a:fld id="{4F9F463A-30E1-4EE2-B3AD-493AE632D7F9}" type="datetime1">
               <a:rPr lang="de-DE" smtClean="0"/>
-              <a:t>06.06.2018</a:t>
+              <a:t>07.06.2018</a:t>
             </a:fld>
             <a:endParaRPr lang="de-DE"/>
           </a:p>
@@ -7332,9 +7774,9 @@
           <a:bodyPr/>
           <a:lstStyle/>
           <a:p>
-            <a:fld id="{AA13FC52-0F1E-42D6-B81E-3FDA49A4B146}" type="datetimeFigureOut">
+            <a:fld id="{3E3AE58B-4EA0-463D-A497-7513A58213EC}" type="datetime1">
               <a:rPr lang="de-DE" smtClean="0"/>
-              <a:t>06.06.2018</a:t>
+              <a:t>07.06.2018</a:t>
             </a:fld>
             <a:endParaRPr lang="de-DE"/>
           </a:p>
@@ -7582,9 +8024,9 @@
           <a:bodyPr/>
           <a:lstStyle/>
           <a:p>
-            <a:fld id="{AA13FC52-0F1E-42D6-B81E-3FDA49A4B146}" type="datetimeFigureOut">
+            <a:fld id="{2036EDD7-3FA6-4051-869A-E44CB4E58F5A}" type="datetime1">
               <a:rPr lang="de-DE" smtClean="0"/>
-              <a:t>06.06.2018</a:t>
+              <a:t>07.06.2018</a:t>
             </a:fld>
             <a:endParaRPr lang="de-DE"/>
           </a:p>
@@ -7814,9 +8256,9 @@
           <a:bodyPr/>
           <a:lstStyle/>
           <a:p>
-            <a:fld id="{AA13FC52-0F1E-42D6-B81E-3FDA49A4B146}" type="datetimeFigureOut">
+            <a:fld id="{81A02251-9C50-43B9-B720-AE9C5E16B7D9}" type="datetime1">
               <a:rPr lang="de-DE" smtClean="0"/>
-              <a:t>06.06.2018</a:t>
+              <a:t>07.06.2018</a:t>
             </a:fld>
             <a:endParaRPr lang="de-DE"/>
           </a:p>
@@ -8195,9 +8637,9 @@
           <a:bodyPr/>
           <a:lstStyle/>
           <a:p>
-            <a:fld id="{AA13FC52-0F1E-42D6-B81E-3FDA49A4B146}" type="datetimeFigureOut">
+            <a:fld id="{AF8EE92B-220C-4B32-A844-C4FECDDB1BAF}" type="datetime1">
               <a:rPr lang="de-DE" smtClean="0"/>
-              <a:t>06.06.2018</a:t>
+              <a:t>07.06.2018</a:t>
             </a:fld>
             <a:endParaRPr lang="de-DE"/>
           </a:p>
@@ -8313,9 +8755,9 @@
           <a:bodyPr/>
           <a:lstStyle/>
           <a:p>
-            <a:fld id="{AA13FC52-0F1E-42D6-B81E-3FDA49A4B146}" type="datetimeFigureOut">
+            <a:fld id="{B35ED52D-E129-4658-982F-FB4DA17F8118}" type="datetime1">
               <a:rPr lang="de-DE" smtClean="0"/>
-              <a:t>06.06.2018</a:t>
+              <a:t>07.06.2018</a:t>
             </a:fld>
             <a:endParaRPr lang="de-DE"/>
           </a:p>
@@ -8408,9 +8850,9 @@
           <a:bodyPr/>
           <a:lstStyle/>
           <a:p>
-            <a:fld id="{AA13FC52-0F1E-42D6-B81E-3FDA49A4B146}" type="datetimeFigureOut">
+            <a:fld id="{8EED2A65-7D05-4398-8530-587ABD029548}" type="datetime1">
               <a:rPr lang="de-DE" smtClean="0"/>
-              <a:t>06.06.2018</a:t>
+              <a:t>07.06.2018</a:t>
             </a:fld>
             <a:endParaRPr lang="de-DE"/>
           </a:p>
@@ -8657,9 +9099,9 @@
           <a:bodyPr/>
           <a:lstStyle/>
           <a:p>
-            <a:fld id="{AA13FC52-0F1E-42D6-B81E-3FDA49A4B146}" type="datetimeFigureOut">
+            <a:fld id="{49362690-F1FB-4945-BA49-9846676672ED}" type="datetime1">
               <a:rPr lang="de-DE" smtClean="0"/>
-              <a:t>06.06.2018</a:t>
+              <a:t>07.06.2018</a:t>
             </a:fld>
             <a:endParaRPr lang="de-DE"/>
           </a:p>
@@ -8937,9 +9379,9 @@
           <a:bodyPr/>
           <a:lstStyle/>
           <a:p>
-            <a:fld id="{AA13FC52-0F1E-42D6-B81E-3FDA49A4B146}" type="datetimeFigureOut">
+            <a:fld id="{7FD2C97C-8FD5-4C07-82F0-AD368EDE799D}" type="datetime1">
               <a:rPr lang="de-DE" smtClean="0"/>
-              <a:t>06.06.2018</a:t>
+              <a:t>07.06.2018</a:t>
             </a:fld>
             <a:endParaRPr lang="de-DE"/>
           </a:p>
@@ -9055,7 +9497,7 @@
           <a:noFill/>
           <a:extLst>
             <a:ext uri="{909E8E84-426E-40dd-AFC4-6F175D3DCCD1}">
-              <a14:hiddenFill xmlns:a14="http://schemas.microsoft.com/office/drawing/2010/main" xmlns="">
+              <a14:hiddenFill xmlns="" xmlns:a14="http://schemas.microsoft.com/office/drawing/2010/main">
                 <a:solidFill>
                   <a:srgbClr val="FFFFFF"/>
                 </a:solidFill>
@@ -9129,7 +9571,7 @@
               </a:ln>
               <a:extLst>
                 <a:ext uri="{91240B29-F687-4f45-9708-019B960494DF}">
-                  <a14:hiddenLine xmlns:a14="http://schemas.microsoft.com/office/drawing/2010/main" xmlns="" w="9525">
+                  <a14:hiddenLine xmlns="" xmlns:a14="http://schemas.microsoft.com/office/drawing/2010/main" w="9525">
                     <a:solidFill>
                       <a:srgbClr val="000000"/>
                     </a:solidFill>
@@ -9219,7 +9661,7 @@
               </a:ln>
               <a:extLst>
                 <a:ext uri="{91240B29-F687-4f45-9708-019B960494DF}">
-                  <a14:hiddenLine xmlns:a14="http://schemas.microsoft.com/office/drawing/2010/main" xmlns="" w="9525">
+                  <a14:hiddenLine xmlns="" xmlns:a14="http://schemas.microsoft.com/office/drawing/2010/main" w="9525">
                     <a:solidFill>
                       <a:srgbClr val="000000"/>
                     </a:solidFill>
@@ -9309,7 +9751,7 @@
               </a:ln>
               <a:extLst>
                 <a:ext uri="{91240B29-F687-4f45-9708-019B960494DF}">
-                  <a14:hiddenLine xmlns:a14="http://schemas.microsoft.com/office/drawing/2010/main" xmlns="" w="9525">
+                  <a14:hiddenLine xmlns="" xmlns:a14="http://schemas.microsoft.com/office/drawing/2010/main" w="9525">
                     <a:solidFill>
                       <a:srgbClr val="000000"/>
                     </a:solidFill>
@@ -9371,7 +9813,7 @@
               </a:ln>
               <a:extLst>
                 <a:ext uri="{91240B29-F687-4f45-9708-019B960494DF}">
-                  <a14:hiddenLine xmlns:a14="http://schemas.microsoft.com/office/drawing/2010/main" xmlns="" w="9525">
+                  <a14:hiddenLine xmlns="" xmlns:a14="http://schemas.microsoft.com/office/drawing/2010/main" w="9525">
                     <a:solidFill>
                       <a:srgbClr val="000000"/>
                     </a:solidFill>
@@ -9461,7 +9903,7 @@
               </a:ln>
               <a:extLst>
                 <a:ext uri="{91240B29-F687-4f45-9708-019B960494DF}">
-                  <a14:hiddenLine xmlns:a14="http://schemas.microsoft.com/office/drawing/2010/main" xmlns="" w="9525">
+                  <a14:hiddenLine xmlns="" xmlns:a14="http://schemas.microsoft.com/office/drawing/2010/main" w="9525">
                     <a:solidFill>
                       <a:srgbClr val="000000"/>
                     </a:solidFill>
@@ -9523,7 +9965,7 @@
               </a:ln>
               <a:extLst>
                 <a:ext uri="{91240B29-F687-4f45-9708-019B960494DF}">
-                  <a14:hiddenLine xmlns:a14="http://schemas.microsoft.com/office/drawing/2010/main" xmlns="" w="9525">
+                  <a14:hiddenLine xmlns="" xmlns:a14="http://schemas.microsoft.com/office/drawing/2010/main" w="9525">
                     <a:solidFill>
                       <a:srgbClr val="000000"/>
                     </a:solidFill>
@@ -9585,7 +10027,7 @@
               </a:ln>
               <a:extLst>
                 <a:ext uri="{91240B29-F687-4f45-9708-019B960494DF}">
-                  <a14:hiddenLine xmlns:a14="http://schemas.microsoft.com/office/drawing/2010/main" xmlns="" w="9525">
+                  <a14:hiddenLine xmlns="" xmlns:a14="http://schemas.microsoft.com/office/drawing/2010/main" w="9525">
                     <a:solidFill>
                       <a:srgbClr val="000000"/>
                     </a:solidFill>
@@ -9675,7 +10117,7 @@
               </a:ln>
               <a:extLst>
                 <a:ext uri="{91240B29-F687-4f45-9708-019B960494DF}">
-                  <a14:hiddenLine xmlns:a14="http://schemas.microsoft.com/office/drawing/2010/main" xmlns="" w="9525">
+                  <a14:hiddenLine xmlns="" xmlns:a14="http://schemas.microsoft.com/office/drawing/2010/main" w="9525">
                     <a:solidFill>
                       <a:srgbClr val="000000"/>
                     </a:solidFill>
@@ -9765,7 +10207,7 @@
               </a:ln>
               <a:extLst>
                 <a:ext uri="{91240B29-F687-4f45-9708-019B960494DF}">
-                  <a14:hiddenLine xmlns:a14="http://schemas.microsoft.com/office/drawing/2010/main" xmlns="" w="9525">
+                  <a14:hiddenLine xmlns="" xmlns:a14="http://schemas.microsoft.com/office/drawing/2010/main" w="9525">
                     <a:solidFill>
                       <a:srgbClr val="000000"/>
                     </a:solidFill>
@@ -9827,7 +10269,7 @@
               </a:ln>
               <a:extLst>
                 <a:ext uri="{91240B29-F687-4f45-9708-019B960494DF}">
-                  <a14:hiddenLine xmlns:a14="http://schemas.microsoft.com/office/drawing/2010/main" xmlns="" w="9525">
+                  <a14:hiddenLine xmlns="" xmlns:a14="http://schemas.microsoft.com/office/drawing/2010/main" w="9525">
                     <a:solidFill>
                       <a:srgbClr val="000000"/>
                     </a:solidFill>
@@ -9937,7 +10379,7 @@
               </a:ln>
               <a:extLst>
                 <a:ext uri="{91240B29-F687-4f45-9708-019B960494DF}">
-                  <a14:hiddenLine xmlns:a14="http://schemas.microsoft.com/office/drawing/2010/main" xmlns="" w="9525">
+                  <a14:hiddenLine xmlns="" xmlns:a14="http://schemas.microsoft.com/office/drawing/2010/main" w="9525">
                     <a:solidFill>
                       <a:srgbClr val="000000"/>
                     </a:solidFill>
@@ -10021,7 +10463,7 @@
               </a:ln>
               <a:extLst>
                 <a:ext uri="{91240B29-F687-4f45-9708-019B960494DF}">
-                  <a14:hiddenLine xmlns:a14="http://schemas.microsoft.com/office/drawing/2010/main" xmlns="" w="9525">
+                  <a14:hiddenLine xmlns="" xmlns:a14="http://schemas.microsoft.com/office/drawing/2010/main" w="9525">
                     <a:solidFill>
                       <a:srgbClr val="000000"/>
                     </a:solidFill>
@@ -10083,7 +10525,7 @@
               </a:ln>
               <a:extLst>
                 <a:ext uri="{91240B29-F687-4f45-9708-019B960494DF}">
-                  <a14:hiddenLine xmlns:a14="http://schemas.microsoft.com/office/drawing/2010/main" xmlns="" w="9525">
+                  <a14:hiddenLine xmlns="" xmlns:a14="http://schemas.microsoft.com/office/drawing/2010/main" w="9525">
                     <a:solidFill>
                       <a:srgbClr val="000000"/>
                     </a:solidFill>
@@ -10145,7 +10587,7 @@
               </a:ln>
               <a:extLst>
                 <a:ext uri="{91240B29-F687-4f45-9708-019B960494DF}">
-                  <a14:hiddenLine xmlns:a14="http://schemas.microsoft.com/office/drawing/2010/main" xmlns="" w="9525">
+                  <a14:hiddenLine xmlns="" xmlns:a14="http://schemas.microsoft.com/office/drawing/2010/main" w="9525">
                     <a:solidFill>
                       <a:srgbClr val="000000"/>
                     </a:solidFill>
@@ -10235,7 +10677,7 @@
               </a:ln>
               <a:extLst>
                 <a:ext uri="{91240B29-F687-4f45-9708-019B960494DF}">
-                  <a14:hiddenLine xmlns:a14="http://schemas.microsoft.com/office/drawing/2010/main" xmlns="" w="9525">
+                  <a14:hiddenLine xmlns="" xmlns:a14="http://schemas.microsoft.com/office/drawing/2010/main" w="9525">
                     <a:solidFill>
                       <a:srgbClr val="000000"/>
                     </a:solidFill>
@@ -10269,7 +10711,7 @@
               </a:ln>
               <a:extLst>
                 <a:ext uri="{91240B29-F687-4f45-9708-019B960494DF}">
-                  <a14:hiddenLine xmlns:a14="http://schemas.microsoft.com/office/drawing/2010/main" xmlns="" w="9525">
+                  <a14:hiddenLine xmlns="" xmlns:a14="http://schemas.microsoft.com/office/drawing/2010/main" w="9525">
                     <a:solidFill>
                       <a:srgbClr val="000000"/>
                     </a:solidFill>
@@ -10334,7 +10776,7 @@
               </a:ln>
               <a:extLst>
                 <a:ext uri="{91240B29-F687-4f45-9708-019B960494DF}">
-                  <a14:hiddenLine xmlns:a14="http://schemas.microsoft.com/office/drawing/2010/main" xmlns="" w="9525">
+                  <a14:hiddenLine xmlns="" xmlns:a14="http://schemas.microsoft.com/office/drawing/2010/main" w="9525">
                     <a:solidFill>
                       <a:srgbClr val="000000"/>
                     </a:solidFill>
@@ -10424,7 +10866,7 @@
               </a:ln>
               <a:extLst>
                 <a:ext uri="{91240B29-F687-4f45-9708-019B960494DF}">
-                  <a14:hiddenLine xmlns:a14="http://schemas.microsoft.com/office/drawing/2010/main" xmlns="" w="9525">
+                  <a14:hiddenLine xmlns="" xmlns:a14="http://schemas.microsoft.com/office/drawing/2010/main" w="9525">
                     <a:solidFill>
                       <a:srgbClr val="000000"/>
                     </a:solidFill>
@@ -10486,7 +10928,7 @@
               </a:ln>
               <a:extLst>
                 <a:ext uri="{91240B29-F687-4f45-9708-019B960494DF}">
-                  <a14:hiddenLine xmlns:a14="http://schemas.microsoft.com/office/drawing/2010/main" xmlns="" w="9525">
+                  <a14:hiddenLine xmlns="" xmlns:a14="http://schemas.microsoft.com/office/drawing/2010/main" w="9525">
                     <a:solidFill>
                       <a:srgbClr val="000000"/>
                     </a:solidFill>
@@ -10576,7 +11018,7 @@
               </a:ln>
               <a:extLst>
                 <a:ext uri="{91240B29-F687-4f45-9708-019B960494DF}">
-                  <a14:hiddenLine xmlns:a14="http://schemas.microsoft.com/office/drawing/2010/main" xmlns="" w="9525">
+                  <a14:hiddenLine xmlns="" xmlns:a14="http://schemas.microsoft.com/office/drawing/2010/main" w="9525">
                     <a:solidFill>
                       <a:srgbClr val="000000"/>
                     </a:solidFill>
@@ -10641,7 +11083,7 @@
               </a:ln>
               <a:extLst>
                 <a:ext uri="{91240B29-F687-4f45-9708-019B960494DF}">
-                  <a14:hiddenLine xmlns:a14="http://schemas.microsoft.com/office/drawing/2010/main" xmlns="" w="9525">
+                  <a14:hiddenLine xmlns="" xmlns:a14="http://schemas.microsoft.com/office/drawing/2010/main" w="9525">
                     <a:solidFill>
                       <a:srgbClr val="000000"/>
                     </a:solidFill>
@@ -10703,7 +11145,7 @@
               </a:ln>
               <a:extLst>
                 <a:ext uri="{91240B29-F687-4f45-9708-019B960494DF}">
-                  <a14:hiddenLine xmlns:a14="http://schemas.microsoft.com/office/drawing/2010/main" xmlns="" w="9525">
+                  <a14:hiddenLine xmlns="" xmlns:a14="http://schemas.microsoft.com/office/drawing/2010/main" w="9525">
                     <a:solidFill>
                       <a:srgbClr val="000000"/>
                     </a:solidFill>
@@ -10793,7 +11235,7 @@
               </a:ln>
               <a:extLst>
                 <a:ext uri="{91240B29-F687-4f45-9708-019B960494DF}">
-                  <a14:hiddenLine xmlns:a14="http://schemas.microsoft.com/office/drawing/2010/main" xmlns="" w="9525">
+                  <a14:hiddenLine xmlns="" xmlns:a14="http://schemas.microsoft.com/office/drawing/2010/main" w="9525">
                     <a:solidFill>
                       <a:srgbClr val="000000"/>
                     </a:solidFill>
@@ -10883,7 +11325,7 @@
               </a:ln>
               <a:extLst>
                 <a:ext uri="{91240B29-F687-4f45-9708-019B960494DF}">
-                  <a14:hiddenLine xmlns:a14="http://schemas.microsoft.com/office/drawing/2010/main" xmlns="" w="9525">
+                  <a14:hiddenLine xmlns="" xmlns:a14="http://schemas.microsoft.com/office/drawing/2010/main" w="9525">
                     <a:solidFill>
                       <a:srgbClr val="000000"/>
                     </a:solidFill>
@@ -10948,7 +11390,7 @@
               </a:ln>
               <a:extLst>
                 <a:ext uri="{91240B29-F687-4f45-9708-019B960494DF}">
-                  <a14:hiddenLine xmlns:a14="http://schemas.microsoft.com/office/drawing/2010/main" xmlns="" w="9525">
+                  <a14:hiddenLine xmlns="" xmlns:a14="http://schemas.microsoft.com/office/drawing/2010/main" w="9525">
                     <a:solidFill>
                       <a:srgbClr val="000000"/>
                     </a:solidFill>
@@ -11068,7 +11510,7 @@
               </a:ln>
               <a:extLst>
                 <a:ext uri="{91240B29-F687-4f45-9708-019B960494DF}">
-                  <a14:hiddenLine xmlns:a14="http://schemas.microsoft.com/office/drawing/2010/main" xmlns="" w="9525">
+                  <a14:hiddenLine xmlns="" xmlns:a14="http://schemas.microsoft.com/office/drawing/2010/main" w="9525">
                     <a:solidFill>
                       <a:srgbClr val="000000"/>
                     </a:solidFill>
@@ -11166,7 +11608,7 @@
               </a:ln>
               <a:extLst>
                 <a:ext uri="{91240B29-F687-4f45-9708-019B960494DF}">
-                  <a14:hiddenLine xmlns:a14="http://schemas.microsoft.com/office/drawing/2010/main" xmlns="" w="9525">
+                  <a14:hiddenLine xmlns="" xmlns:a14="http://schemas.microsoft.com/office/drawing/2010/main" w="9525">
                     <a:solidFill>
                       <a:srgbClr val="000000"/>
                     </a:solidFill>
@@ -11281,7 +11723,7 @@
               </a:ln>
               <a:extLst>
                 <a:ext uri="{91240B29-F687-4f45-9708-019B960494DF}">
-                  <a14:hiddenLine xmlns:a14="http://schemas.microsoft.com/office/drawing/2010/main" xmlns="" w="9525">
+                  <a14:hiddenLine xmlns="" xmlns:a14="http://schemas.microsoft.com/office/drawing/2010/main" w="9525">
                     <a:solidFill>
                       <a:srgbClr val="000000"/>
                     </a:solidFill>
@@ -11371,7 +11813,7 @@
               </a:ln>
               <a:extLst>
                 <a:ext uri="{91240B29-F687-4f45-9708-019B960494DF}">
-                  <a14:hiddenLine xmlns:a14="http://schemas.microsoft.com/office/drawing/2010/main" xmlns="" w="9525">
+                  <a14:hiddenLine xmlns="" xmlns:a14="http://schemas.microsoft.com/office/drawing/2010/main" w="9525">
                     <a:solidFill>
                       <a:srgbClr val="000000"/>
                     </a:solidFill>
@@ -11436,7 +11878,7 @@
               </a:ln>
               <a:extLst>
                 <a:ext uri="{91240B29-F687-4f45-9708-019B960494DF}">
-                  <a14:hiddenLine xmlns:a14="http://schemas.microsoft.com/office/drawing/2010/main" xmlns="" w="9525">
+                  <a14:hiddenLine xmlns="" xmlns:a14="http://schemas.microsoft.com/office/drawing/2010/main" w="9525">
                     <a:solidFill>
                       <a:srgbClr val="000000"/>
                     </a:solidFill>
@@ -11526,7 +11968,7 @@
               </a:ln>
               <a:extLst>
                 <a:ext uri="{91240B29-F687-4f45-9708-019B960494DF}">
-                  <a14:hiddenLine xmlns:a14="http://schemas.microsoft.com/office/drawing/2010/main" xmlns="" w="9525">
+                  <a14:hiddenLine xmlns="" xmlns:a14="http://schemas.microsoft.com/office/drawing/2010/main" w="9525">
                     <a:solidFill>
                       <a:srgbClr val="000000"/>
                     </a:solidFill>
@@ -11594,7 +12036,7 @@
               </a:ln>
               <a:extLst>
                 <a:ext uri="{91240B29-F687-4f45-9708-019B960494DF}">
-                  <a14:hiddenLine xmlns:a14="http://schemas.microsoft.com/office/drawing/2010/main" xmlns="" w="9525">
+                  <a14:hiddenLine xmlns="" xmlns:a14="http://schemas.microsoft.com/office/drawing/2010/main" w="9525">
                     <a:solidFill>
                       <a:srgbClr val="000000"/>
                     </a:solidFill>
@@ -11684,7 +12126,7 @@
               </a:ln>
               <a:extLst>
                 <a:ext uri="{91240B29-F687-4f45-9708-019B960494DF}">
-                  <a14:hiddenLine xmlns:a14="http://schemas.microsoft.com/office/drawing/2010/main" xmlns="" w="9525">
+                  <a14:hiddenLine xmlns="" xmlns:a14="http://schemas.microsoft.com/office/drawing/2010/main" w="9525">
                     <a:solidFill>
                       <a:srgbClr val="000000"/>
                     </a:solidFill>
@@ -11752,7 +12194,7 @@
               </a:ln>
               <a:extLst>
                 <a:ext uri="{91240B29-F687-4f45-9708-019B960494DF}">
-                  <a14:hiddenLine xmlns:a14="http://schemas.microsoft.com/office/drawing/2010/main" xmlns="" w="9525">
+                  <a14:hiddenLine xmlns="" xmlns:a14="http://schemas.microsoft.com/office/drawing/2010/main" w="9525">
                     <a:solidFill>
                       <a:srgbClr val="000000"/>
                     </a:solidFill>
@@ -11842,7 +12284,7 @@
               </a:ln>
               <a:extLst>
                 <a:ext uri="{91240B29-F687-4f45-9708-019B960494DF}">
-                  <a14:hiddenLine xmlns:a14="http://schemas.microsoft.com/office/drawing/2010/main" xmlns="" w="9525">
+                  <a14:hiddenLine xmlns="" xmlns:a14="http://schemas.microsoft.com/office/drawing/2010/main" w="9525">
                     <a:solidFill>
                       <a:srgbClr val="000000"/>
                     </a:solidFill>
@@ -11876,7 +12318,7 @@
               </a:ln>
               <a:extLst>
                 <a:ext uri="{91240B29-F687-4f45-9708-019B960494DF}">
-                  <a14:hiddenLine xmlns:a14="http://schemas.microsoft.com/office/drawing/2010/main" xmlns="" w="9525">
+                  <a14:hiddenLine xmlns="" xmlns:a14="http://schemas.microsoft.com/office/drawing/2010/main" w="9525">
                     <a:solidFill>
                       <a:srgbClr val="000000"/>
                     </a:solidFill>
@@ -12014,9 +12456,9 @@
             </a:lvl1pPr>
           </a:lstStyle>
           <a:p>
-            <a:fld id="{AA13FC52-0F1E-42D6-B81E-3FDA49A4B146}" type="datetimeFigureOut">
+            <a:fld id="{AAD46D89-00B0-48B7-98A7-B69976C0ED58}" type="datetime1">
               <a:rPr lang="de-DE" smtClean="0"/>
-              <a:t>06.06.2018</a:t>
+              <a:t>07.06.2018</a:t>
             </a:fld>
             <a:endParaRPr lang="de-DE"/>
           </a:p>
@@ -12127,6 +12569,7 @@
     <p:sldLayoutId id="2147483676" r:id="rId16"/>
     <p:sldLayoutId id="2147483677" r:id="rId17"/>
   </p:sldLayoutIdLst>
+  <p:hf hdr="0" ftr="0"/>
   <p:txStyles>
     <p:titleStyle>
       <a:lvl1pPr algn="l" defTabSz="914400" rtl="0" eaLnBrk="1" latinLnBrk="0" hangingPunct="1">
@@ -12504,6 +12947,13 @@
   <p:clrMapOvr>
     <a:masterClrMapping/>
   </p:clrMapOvr>
+  <p:timing>
+    <p:tnLst>
+      <p:par>
+        <p:cTn id="1" dur="indefinite" restart="never" nodeType="tmRoot"/>
+      </p:par>
+    </p:tnLst>
+  </p:timing>
 </p:sld>
 </file>
 
@@ -12624,6 +13074,52 @@
           </a:p>
         </p:txBody>
       </p:sp>
+      <p:sp>
+        <p:nvSpPr>
+          <p:cNvPr id="4" name="Datumsplatzhalter 3"/>
+          <p:cNvSpPr>
+            <a:spLocks noGrp="1"/>
+          </p:cNvSpPr>
+          <p:nvPr>
+            <p:ph type="dt" sz="half" idx="10"/>
+          </p:nvPr>
+        </p:nvSpPr>
+        <p:spPr/>
+        <p:txBody>
+          <a:bodyPr/>
+          <a:lstStyle/>
+          <a:p>
+            <a:fld id="{27EB4712-265F-4B85-863D-890958CC55F5}" type="datetime1">
+              <a:rPr lang="de-DE" smtClean="0"/>
+              <a:t>07.06.2018</a:t>
+            </a:fld>
+            <a:endParaRPr lang="de-DE"/>
+          </a:p>
+        </p:txBody>
+      </p:sp>
+      <p:sp>
+        <p:nvSpPr>
+          <p:cNvPr id="5" name="Foliennummernplatzhalter 4"/>
+          <p:cNvSpPr>
+            <a:spLocks noGrp="1"/>
+          </p:cNvSpPr>
+          <p:nvPr>
+            <p:ph type="sldNum" sz="quarter" idx="12"/>
+          </p:nvPr>
+        </p:nvSpPr>
+        <p:spPr/>
+        <p:txBody>
+          <a:bodyPr/>
+          <a:lstStyle/>
+          <a:p>
+            <a:fld id="{6ECE396A-AF13-4C5D-9BDF-1EDD53650218}" type="slidenum">
+              <a:rPr lang="de-DE" smtClean="0"/>
+              <a:t>2</a:t>
+            </a:fld>
+            <a:endParaRPr lang="de-DE"/>
+          </a:p>
+        </p:txBody>
+      </p:sp>
     </p:spTree>
     <p:extLst>
       <p:ext uri="{BB962C8B-B14F-4D97-AF65-F5344CB8AC3E}">
@@ -12634,6 +13130,13 @@
   <p:clrMapOvr>
     <a:masterClrMapping/>
   </p:clrMapOvr>
+  <p:timing>
+    <p:tnLst>
+      <p:par>
+        <p:cTn id="1" dur="indefinite" restart="never" nodeType="tmRoot"/>
+      </p:par>
+    </p:tnLst>
+  </p:timing>
 </p:sld>
 </file>
 
@@ -12712,6 +13215,52 @@
           </a:p>
         </p:txBody>
       </p:sp>
+      <p:sp>
+        <p:nvSpPr>
+          <p:cNvPr id="4" name="Datumsplatzhalter 3"/>
+          <p:cNvSpPr>
+            <a:spLocks noGrp="1"/>
+          </p:cNvSpPr>
+          <p:nvPr>
+            <p:ph type="dt" sz="half" idx="10"/>
+          </p:nvPr>
+        </p:nvSpPr>
+        <p:spPr/>
+        <p:txBody>
+          <a:bodyPr/>
+          <a:lstStyle/>
+          <a:p>
+            <a:fld id="{CBD77128-F99B-4479-B02F-1EBC90A70D12}" type="datetime1">
+              <a:rPr lang="de-DE" smtClean="0"/>
+              <a:t>07.06.2018</a:t>
+            </a:fld>
+            <a:endParaRPr lang="de-DE"/>
+          </a:p>
+        </p:txBody>
+      </p:sp>
+      <p:sp>
+        <p:nvSpPr>
+          <p:cNvPr id="5" name="Foliennummernplatzhalter 4"/>
+          <p:cNvSpPr>
+            <a:spLocks noGrp="1"/>
+          </p:cNvSpPr>
+          <p:nvPr>
+            <p:ph type="sldNum" sz="quarter" idx="12"/>
+          </p:nvPr>
+        </p:nvSpPr>
+        <p:spPr/>
+        <p:txBody>
+          <a:bodyPr/>
+          <a:lstStyle/>
+          <a:p>
+            <a:fld id="{6ECE396A-AF13-4C5D-9BDF-1EDD53650218}" type="slidenum">
+              <a:rPr lang="de-DE" smtClean="0"/>
+              <a:t>3</a:t>
+            </a:fld>
+            <a:endParaRPr lang="de-DE"/>
+          </a:p>
+        </p:txBody>
+      </p:sp>
     </p:spTree>
     <p:extLst>
       <p:ext uri="{BB962C8B-B14F-4D97-AF65-F5344CB8AC3E}">
@@ -12722,6 +13271,13 @@
   <p:clrMapOvr>
     <a:masterClrMapping/>
   </p:clrMapOvr>
+  <p:timing>
+    <p:tnLst>
+      <p:par>
+        <p:cTn id="1" dur="indefinite" restart="never" nodeType="tmRoot"/>
+      </p:par>
+    </p:tnLst>
+  </p:timing>
 </p:sld>
 </file>
 
@@ -12883,6 +13439,52 @@
           </a:prstGeom>
         </p:spPr>
       </p:pic>
+      <p:sp>
+        <p:nvSpPr>
+          <p:cNvPr id="4" name="Datumsplatzhalter 3"/>
+          <p:cNvSpPr>
+            <a:spLocks noGrp="1"/>
+          </p:cNvSpPr>
+          <p:nvPr>
+            <p:ph type="dt" sz="half" idx="10"/>
+          </p:nvPr>
+        </p:nvSpPr>
+        <p:spPr/>
+        <p:txBody>
+          <a:bodyPr/>
+          <a:lstStyle/>
+          <a:p>
+            <a:fld id="{6BF2907A-A474-476E-A1EC-A3896432FF92}" type="datetime1">
+              <a:rPr lang="de-DE" smtClean="0"/>
+              <a:t>07.06.2018</a:t>
+            </a:fld>
+            <a:endParaRPr lang="de-DE"/>
+          </a:p>
+        </p:txBody>
+      </p:sp>
+      <p:sp>
+        <p:nvSpPr>
+          <p:cNvPr id="5" name="Foliennummernplatzhalter 4"/>
+          <p:cNvSpPr>
+            <a:spLocks noGrp="1"/>
+          </p:cNvSpPr>
+          <p:nvPr>
+            <p:ph type="sldNum" sz="quarter" idx="12"/>
+          </p:nvPr>
+        </p:nvSpPr>
+        <p:spPr/>
+        <p:txBody>
+          <a:bodyPr/>
+          <a:lstStyle/>
+          <a:p>
+            <a:fld id="{6ECE396A-AF13-4C5D-9BDF-1EDD53650218}" type="slidenum">
+              <a:rPr lang="de-DE" smtClean="0"/>
+              <a:t>4</a:t>
+            </a:fld>
+            <a:endParaRPr lang="de-DE"/>
+          </a:p>
+        </p:txBody>
+      </p:sp>
     </p:spTree>
     <p:extLst>
       <p:ext uri="{BB962C8B-B14F-4D97-AF65-F5344CB8AC3E}">
@@ -12893,6 +13495,13 @@
   <p:clrMapOvr>
     <a:masterClrMapping/>
   </p:clrMapOvr>
+  <p:timing>
+    <p:tnLst>
+      <p:par>
+        <p:cTn id="1" dur="indefinite" restart="never" nodeType="tmRoot"/>
+      </p:par>
+    </p:tnLst>
+  </p:timing>
 </p:sld>
 </file>
 
@@ -13004,6 +13613,52 @@
           </a:p>
         </p:txBody>
       </p:sp>
+      <p:sp>
+        <p:nvSpPr>
+          <p:cNvPr id="4" name="Datumsplatzhalter 3"/>
+          <p:cNvSpPr>
+            <a:spLocks noGrp="1"/>
+          </p:cNvSpPr>
+          <p:nvPr>
+            <p:ph type="dt" sz="half" idx="10"/>
+          </p:nvPr>
+        </p:nvSpPr>
+        <p:spPr/>
+        <p:txBody>
+          <a:bodyPr/>
+          <a:lstStyle/>
+          <a:p>
+            <a:fld id="{82FBD8D8-A537-44A0-8C94-F215FD0914FC}" type="datetime1">
+              <a:rPr lang="de-DE" smtClean="0"/>
+              <a:t>07.06.2018</a:t>
+            </a:fld>
+            <a:endParaRPr lang="de-DE"/>
+          </a:p>
+        </p:txBody>
+      </p:sp>
+      <p:sp>
+        <p:nvSpPr>
+          <p:cNvPr id="5" name="Foliennummernplatzhalter 4"/>
+          <p:cNvSpPr>
+            <a:spLocks noGrp="1"/>
+          </p:cNvSpPr>
+          <p:nvPr>
+            <p:ph type="sldNum" sz="quarter" idx="12"/>
+          </p:nvPr>
+        </p:nvSpPr>
+        <p:spPr/>
+        <p:txBody>
+          <a:bodyPr/>
+          <a:lstStyle/>
+          <a:p>
+            <a:fld id="{6ECE396A-AF13-4C5D-9BDF-1EDD53650218}" type="slidenum">
+              <a:rPr lang="de-DE" smtClean="0"/>
+              <a:t>5</a:t>
+            </a:fld>
+            <a:endParaRPr lang="de-DE"/>
+          </a:p>
+        </p:txBody>
+      </p:sp>
     </p:spTree>
     <p:extLst>
       <p:ext uri="{BB962C8B-B14F-4D97-AF65-F5344CB8AC3E}">
@@ -13014,6 +13669,13 @@
   <p:clrMapOvr>
     <a:masterClrMapping/>
   </p:clrMapOvr>
+  <p:timing>
+    <p:tnLst>
+      <p:par>
+        <p:cTn id="1" dur="indefinite" restart="never" nodeType="tmRoot"/>
+      </p:par>
+    </p:tnLst>
+  </p:timing>
 </p:sld>
 </file>
 
@@ -13086,6 +13748,52 @@
           </a:xfrm>
         </p:spPr>
       </p:pic>
+      <p:sp>
+        <p:nvSpPr>
+          <p:cNvPr id="3" name="Datumsplatzhalter 2"/>
+          <p:cNvSpPr>
+            <a:spLocks noGrp="1"/>
+          </p:cNvSpPr>
+          <p:nvPr>
+            <p:ph type="dt" sz="half" idx="10"/>
+          </p:nvPr>
+        </p:nvSpPr>
+        <p:spPr/>
+        <p:txBody>
+          <a:bodyPr/>
+          <a:lstStyle/>
+          <a:p>
+            <a:fld id="{7E94D2FB-D4FE-41B9-AAB5-4DBB4013C808}" type="datetime1">
+              <a:rPr lang="de-DE" smtClean="0"/>
+              <a:t>07.06.2018</a:t>
+            </a:fld>
+            <a:endParaRPr lang="de-DE"/>
+          </a:p>
+        </p:txBody>
+      </p:sp>
+      <p:sp>
+        <p:nvSpPr>
+          <p:cNvPr id="4" name="Foliennummernplatzhalter 3"/>
+          <p:cNvSpPr>
+            <a:spLocks noGrp="1"/>
+          </p:cNvSpPr>
+          <p:nvPr>
+            <p:ph type="sldNum" sz="quarter" idx="12"/>
+          </p:nvPr>
+        </p:nvSpPr>
+        <p:spPr/>
+        <p:txBody>
+          <a:bodyPr/>
+          <a:lstStyle/>
+          <a:p>
+            <a:fld id="{6ECE396A-AF13-4C5D-9BDF-1EDD53650218}" type="slidenum">
+              <a:rPr lang="de-DE" smtClean="0"/>
+              <a:t>6</a:t>
+            </a:fld>
+            <a:endParaRPr lang="de-DE"/>
+          </a:p>
+        </p:txBody>
+      </p:sp>
     </p:spTree>
     <p:extLst>
       <p:ext uri="{BB962C8B-B14F-4D97-AF65-F5344CB8AC3E}">
@@ -13096,6 +13804,13 @@
   <p:clrMapOvr>
     <a:masterClrMapping/>
   </p:clrMapOvr>
+  <p:timing>
+    <p:tnLst>
+      <p:par>
+        <p:cTn id="1" dur="indefinite" restart="never" nodeType="tmRoot"/>
+      </p:par>
+    </p:tnLst>
+  </p:timing>
 </p:sld>
 </file>
 
@@ -13348,4 +14063,265 @@
     </a:ext>
   </a:extLst>
 </a:theme>
+</file>
+
+<file path=ppt/theme/theme2.xml><?xml version="1.0" encoding="utf-8"?>
+<a:theme xmlns:a="http://schemas.openxmlformats.org/drawingml/2006/main" name="Office Theme">
+  <a:themeElements>
+    <a:clrScheme name="Office">
+      <a:dk1>
+        <a:sysClr val="windowText" lastClr="000000"/>
+      </a:dk1>
+      <a:lt1>
+        <a:sysClr val="window" lastClr="FFFFFF"/>
+      </a:lt1>
+      <a:dk2>
+        <a:srgbClr val="44546A"/>
+      </a:dk2>
+      <a:lt2>
+        <a:srgbClr val="E7E6E6"/>
+      </a:lt2>
+      <a:accent1>
+        <a:srgbClr val="5B9BD5"/>
+      </a:accent1>
+      <a:accent2>
+        <a:srgbClr val="ED7D31"/>
+      </a:accent2>
+      <a:accent3>
+        <a:srgbClr val="A5A5A5"/>
+      </a:accent3>
+      <a:accent4>
+        <a:srgbClr val="FFC000"/>
+      </a:accent4>
+      <a:accent5>
+        <a:srgbClr val="4472C4"/>
+      </a:accent5>
+      <a:accent6>
+        <a:srgbClr val="70AD47"/>
+      </a:accent6>
+      <a:hlink>
+        <a:srgbClr val="0563C1"/>
+      </a:hlink>
+      <a:folHlink>
+        <a:srgbClr val="954F72"/>
+      </a:folHlink>
+    </a:clrScheme>
+    <a:fontScheme name="Office">
+      <a:majorFont>
+        <a:latin typeface="Calibri Light" panose="020F0302020204030204"/>
+        <a:ea typeface=""/>
+        <a:cs typeface=""/>
+        <a:font script="Jpan" typeface="ＭＳ Ｐゴシック"/>
+        <a:font script="Hang" typeface="맑은 고딕"/>
+        <a:font script="Hans" typeface="宋体"/>
+        <a:font script="Hant" typeface="新細明體"/>
+        <a:font script="Arab" typeface="Times New Roman"/>
+        <a:font script="Hebr" typeface="Times New Roman"/>
+        <a:font script="Thai" typeface="Angsana New"/>
+        <a:font script="Ethi" typeface="Nyala"/>
+        <a:font script="Beng" typeface="Vrinda"/>
+        <a:font script="Gujr" typeface="Shruti"/>
+        <a:font script="Khmr" typeface="MoolBoran"/>
+        <a:font script="Knda" typeface="Tunga"/>
+        <a:font script="Guru" typeface="Raavi"/>
+        <a:font script="Cans" typeface="Euphemia"/>
+        <a:font script="Cher" typeface="Plantagenet Cherokee"/>
+        <a:font script="Yiii" typeface="Microsoft Yi Baiti"/>
+        <a:font script="Tibt" typeface="Microsoft Himalaya"/>
+        <a:font script="Thaa" typeface="MV Boli"/>
+        <a:font script="Deva" typeface="Mangal"/>
+        <a:font script="Telu" typeface="Gautami"/>
+        <a:font script="Taml" typeface="Latha"/>
+        <a:font script="Syrc" typeface="Estrangelo Edessa"/>
+        <a:font script="Orya" typeface="Kalinga"/>
+        <a:font script="Mlym" typeface="Kartika"/>
+        <a:font script="Laoo" typeface="DokChampa"/>
+        <a:font script="Sinh" typeface="Iskoola Pota"/>
+        <a:font script="Mong" typeface="Mongolian Baiti"/>
+        <a:font script="Viet" typeface="Times New Roman"/>
+        <a:font script="Uigh" typeface="Microsoft Uighur"/>
+        <a:font script="Geor" typeface="Sylfaen"/>
+      </a:majorFont>
+      <a:minorFont>
+        <a:latin typeface="Calibri" panose="020F0502020204030204"/>
+        <a:ea typeface=""/>
+        <a:cs typeface=""/>
+        <a:font script="Jpan" typeface="ＭＳ Ｐゴシック"/>
+        <a:font script="Hang" typeface="맑은 고딕"/>
+        <a:font script="Hans" typeface="宋体"/>
+        <a:font script="Hant" typeface="新細明體"/>
+        <a:font script="Arab" typeface="Arial"/>
+        <a:font script="Hebr" typeface="Arial"/>
+        <a:font script="Thai" typeface="Cordia New"/>
+        <a:font script="Ethi" typeface="Nyala"/>
+        <a:font script="Beng" typeface="Vrinda"/>
+        <a:font script="Gujr" typeface="Shruti"/>
+        <a:font script="Khmr" typeface="DaunPenh"/>
+        <a:font script="Knda" typeface="Tunga"/>
+        <a:font script="Guru" typeface="Raavi"/>
+        <a:font script="Cans" typeface="Euphemia"/>
+        <a:font script="Cher" typeface="Plantagenet Cherokee"/>
+        <a:font script="Yiii" typeface="Microsoft Yi Baiti"/>
+        <a:font script="Tibt" typeface="Microsoft Himalaya"/>
+        <a:font script="Thaa" typeface="MV Boli"/>
+        <a:font script="Deva" typeface="Mangal"/>
+        <a:font script="Telu" typeface="Gautami"/>
+        <a:font script="Taml" typeface="Latha"/>
+        <a:font script="Syrc" typeface="Estrangelo Edessa"/>
+        <a:font script="Orya" typeface="Kalinga"/>
+        <a:font script="Mlym" typeface="Kartika"/>
+        <a:font script="Laoo" typeface="DokChampa"/>
+        <a:font script="Sinh" typeface="Iskoola Pota"/>
+        <a:font script="Mong" typeface="Mongolian Baiti"/>
+        <a:font script="Viet" typeface="Arial"/>
+        <a:font script="Uigh" typeface="Microsoft Uighur"/>
+        <a:font script="Geor" typeface="Sylfaen"/>
+      </a:minorFont>
+    </a:fontScheme>
+    <a:fmtScheme name="Office">
+      <a:fillStyleLst>
+        <a:solidFill>
+          <a:schemeClr val="phClr"/>
+        </a:solidFill>
+        <a:gradFill rotWithShape="1">
+          <a:gsLst>
+            <a:gs pos="0">
+              <a:schemeClr val="phClr">
+                <a:lumMod val="110000"/>
+                <a:satMod val="105000"/>
+                <a:tint val="67000"/>
+              </a:schemeClr>
+            </a:gs>
+            <a:gs pos="50000">
+              <a:schemeClr val="phClr">
+                <a:lumMod val="105000"/>
+                <a:satMod val="103000"/>
+                <a:tint val="73000"/>
+              </a:schemeClr>
+            </a:gs>
+            <a:gs pos="100000">
+              <a:schemeClr val="phClr">
+                <a:lumMod val="105000"/>
+                <a:satMod val="109000"/>
+                <a:tint val="81000"/>
+              </a:schemeClr>
+            </a:gs>
+          </a:gsLst>
+          <a:lin ang="5400000" scaled="0"/>
+        </a:gradFill>
+        <a:gradFill rotWithShape="1">
+          <a:gsLst>
+            <a:gs pos="0">
+              <a:schemeClr val="phClr">
+                <a:satMod val="103000"/>
+                <a:lumMod val="102000"/>
+                <a:tint val="94000"/>
+              </a:schemeClr>
+            </a:gs>
+            <a:gs pos="50000">
+              <a:schemeClr val="phClr">
+                <a:satMod val="110000"/>
+                <a:lumMod val="100000"/>
+                <a:shade val="100000"/>
+              </a:schemeClr>
+            </a:gs>
+            <a:gs pos="100000">
+              <a:schemeClr val="phClr">
+                <a:lumMod val="99000"/>
+                <a:satMod val="120000"/>
+                <a:shade val="78000"/>
+              </a:schemeClr>
+            </a:gs>
+          </a:gsLst>
+          <a:lin ang="5400000" scaled="0"/>
+        </a:gradFill>
+      </a:fillStyleLst>
+      <a:lnStyleLst>
+        <a:ln w="6350" cap="flat" cmpd="sng" algn="ctr">
+          <a:solidFill>
+            <a:schemeClr val="phClr"/>
+          </a:solidFill>
+          <a:prstDash val="solid"/>
+          <a:miter lim="800000"/>
+        </a:ln>
+        <a:ln w="12700" cap="flat" cmpd="sng" algn="ctr">
+          <a:solidFill>
+            <a:schemeClr val="phClr"/>
+          </a:solidFill>
+          <a:prstDash val="solid"/>
+          <a:miter lim="800000"/>
+        </a:ln>
+        <a:ln w="19050" cap="flat" cmpd="sng" algn="ctr">
+          <a:solidFill>
+            <a:schemeClr val="phClr"/>
+          </a:solidFill>
+          <a:prstDash val="solid"/>
+          <a:miter lim="800000"/>
+        </a:ln>
+      </a:lnStyleLst>
+      <a:effectStyleLst>
+        <a:effectStyle>
+          <a:effectLst/>
+        </a:effectStyle>
+        <a:effectStyle>
+          <a:effectLst/>
+        </a:effectStyle>
+        <a:effectStyle>
+          <a:effectLst>
+            <a:outerShdw blurRad="57150" dist="19050" dir="5400000" algn="ctr" rotWithShape="0">
+              <a:srgbClr val="000000">
+                <a:alpha val="63000"/>
+              </a:srgbClr>
+            </a:outerShdw>
+          </a:effectLst>
+        </a:effectStyle>
+      </a:effectStyleLst>
+      <a:bgFillStyleLst>
+        <a:solidFill>
+          <a:schemeClr val="phClr"/>
+        </a:solidFill>
+        <a:solidFill>
+          <a:schemeClr val="phClr">
+            <a:tint val="95000"/>
+            <a:satMod val="170000"/>
+          </a:schemeClr>
+        </a:solidFill>
+        <a:gradFill rotWithShape="1">
+          <a:gsLst>
+            <a:gs pos="0">
+              <a:schemeClr val="phClr">
+                <a:tint val="93000"/>
+                <a:satMod val="150000"/>
+                <a:shade val="98000"/>
+                <a:lumMod val="102000"/>
+              </a:schemeClr>
+            </a:gs>
+            <a:gs pos="50000">
+              <a:schemeClr val="phClr">
+                <a:tint val="98000"/>
+                <a:satMod val="130000"/>
+                <a:shade val="90000"/>
+                <a:lumMod val="103000"/>
+              </a:schemeClr>
+            </a:gs>
+            <a:gs pos="100000">
+              <a:schemeClr val="phClr">
+                <a:shade val="63000"/>
+                <a:satMod val="120000"/>
+              </a:schemeClr>
+            </a:gs>
+          </a:gsLst>
+          <a:lin ang="5400000" scaled="0"/>
+        </a:gradFill>
+      </a:bgFillStyleLst>
+    </a:fmtScheme>
+  </a:themeElements>
+  <a:objectDefaults/>
+  <a:extraClrSchemeLst/>
+  <a:extLst>
+    <a:ext uri="{05A4C25C-085E-4340-85A3-A5531E510DB2}">
+      <thm15:themeFamily xmlns:thm15="http://schemas.microsoft.com/office/thememl/2012/main" name="Office Theme" id="{62F939B6-93AF-4DB8-9C6B-D6C7DFDC589F}" vid="{4A3C46E8-61CC-4603-A589-7422A47A8E4A}"/>
+    </a:ext>
+  </a:extLst>
+</a:theme>
 </file>
--- a/Jeopardy.pptx
+++ b/Jeopardy.pptx
@@ -604,7 +604,7 @@
           <a:noFill/>
           <a:extLst>
             <a:ext uri="{909E8E84-426E-40dd-AFC4-6F175D3DCCD1}">
-              <a14:hiddenFill xmlns="" xmlns:a14="http://schemas.microsoft.com/office/drawing/2010/main">
+              <a14:hiddenFill xmlns:a14="http://schemas.microsoft.com/office/drawing/2010/main" xmlns="">
                 <a:solidFill>
                   <a:srgbClr val="FFFFFF"/>
                 </a:solidFill>
@@ -664,7 +664,7 @@
             </a:ln>
             <a:extLst>
               <a:ext uri="{91240B29-F687-4f45-9708-019B960494DF}">
-                <a14:hiddenLine xmlns="" xmlns:a14="http://schemas.microsoft.com/office/drawing/2010/main" w="9525">
+                <a14:hiddenLine xmlns:a14="http://schemas.microsoft.com/office/drawing/2010/main" xmlns="" w="9525">
                   <a:solidFill>
                     <a:srgbClr val="000000"/>
                   </a:solidFill>
@@ -754,7 +754,7 @@
             </a:ln>
             <a:extLst>
               <a:ext uri="{91240B29-F687-4f45-9708-019B960494DF}">
-                <a14:hiddenLine xmlns="" xmlns:a14="http://schemas.microsoft.com/office/drawing/2010/main" w="9525">
+                <a14:hiddenLine xmlns:a14="http://schemas.microsoft.com/office/drawing/2010/main" xmlns="" w="9525">
                   <a:solidFill>
                     <a:srgbClr val="000000"/>
                   </a:solidFill>
@@ -844,7 +844,7 @@
             </a:ln>
             <a:extLst>
               <a:ext uri="{91240B29-F687-4f45-9708-019B960494DF}">
-                <a14:hiddenLine xmlns="" xmlns:a14="http://schemas.microsoft.com/office/drawing/2010/main" w="9525">
+                <a14:hiddenLine xmlns:a14="http://schemas.microsoft.com/office/drawing/2010/main" xmlns="" w="9525">
                   <a:solidFill>
                     <a:srgbClr val="000000"/>
                   </a:solidFill>
@@ -878,7 +878,7 @@
             </a:ln>
             <a:extLst>
               <a:ext uri="{91240B29-F687-4f45-9708-019B960494DF}">
-                <a14:hiddenLine xmlns="" xmlns:a14="http://schemas.microsoft.com/office/drawing/2010/main" w="9525">
+                <a14:hiddenLine xmlns:a14="http://schemas.microsoft.com/office/drawing/2010/main" xmlns="" w="9525">
                   <a:solidFill>
                     <a:srgbClr val="000000"/>
                   </a:solidFill>
@@ -968,7 +968,7 @@
             </a:ln>
             <a:extLst>
               <a:ext uri="{91240B29-F687-4f45-9708-019B960494DF}">
-                <a14:hiddenLine xmlns="" xmlns:a14="http://schemas.microsoft.com/office/drawing/2010/main" w="9525">
+                <a14:hiddenLine xmlns:a14="http://schemas.microsoft.com/office/drawing/2010/main" xmlns="" w="9525">
                   <a:solidFill>
                     <a:srgbClr val="000000"/>
                   </a:solidFill>
@@ -1030,7 +1030,7 @@
             </a:ln>
             <a:extLst>
               <a:ext uri="{91240B29-F687-4f45-9708-019B960494DF}">
-                <a14:hiddenLine xmlns="" xmlns:a14="http://schemas.microsoft.com/office/drawing/2010/main" w="9525">
+                <a14:hiddenLine xmlns:a14="http://schemas.microsoft.com/office/drawing/2010/main" xmlns="" w="9525">
                   <a:solidFill>
                     <a:srgbClr val="000000"/>
                   </a:solidFill>
@@ -1092,7 +1092,7 @@
             </a:ln>
             <a:extLst>
               <a:ext uri="{91240B29-F687-4f45-9708-019B960494DF}">
-                <a14:hiddenLine xmlns="" xmlns:a14="http://schemas.microsoft.com/office/drawing/2010/main" w="9525">
+                <a14:hiddenLine xmlns:a14="http://schemas.microsoft.com/office/drawing/2010/main" xmlns="" w="9525">
                   <a:solidFill>
                     <a:srgbClr val="000000"/>
                   </a:solidFill>
@@ -1182,7 +1182,7 @@
             </a:ln>
             <a:extLst>
               <a:ext uri="{91240B29-F687-4f45-9708-019B960494DF}">
-                <a14:hiddenLine xmlns="" xmlns:a14="http://schemas.microsoft.com/office/drawing/2010/main" w="9525">
+                <a14:hiddenLine xmlns:a14="http://schemas.microsoft.com/office/drawing/2010/main" xmlns="" w="9525">
                   <a:solidFill>
                     <a:srgbClr val="000000"/>
                   </a:solidFill>
@@ -1244,7 +1244,7 @@
             </a:ln>
             <a:extLst>
               <a:ext uri="{91240B29-F687-4f45-9708-019B960494DF}">
-                <a14:hiddenLine xmlns="" xmlns:a14="http://schemas.microsoft.com/office/drawing/2010/main" w="9525">
+                <a14:hiddenLine xmlns:a14="http://schemas.microsoft.com/office/drawing/2010/main" xmlns="" w="9525">
                   <a:solidFill>
                     <a:srgbClr val="000000"/>
                   </a:solidFill>
@@ -1306,7 +1306,7 @@
             </a:ln>
             <a:extLst>
               <a:ext uri="{91240B29-F687-4f45-9708-019B960494DF}">
-                <a14:hiddenLine xmlns="" xmlns:a14="http://schemas.microsoft.com/office/drawing/2010/main" w="9525">
+                <a14:hiddenLine xmlns:a14="http://schemas.microsoft.com/office/drawing/2010/main" xmlns="" w="9525">
                   <a:solidFill>
                     <a:srgbClr val="000000"/>
                   </a:solidFill>
@@ -1396,7 +1396,7 @@
             </a:ln>
             <a:extLst>
               <a:ext uri="{91240B29-F687-4f45-9708-019B960494DF}">
-                <a14:hiddenLine xmlns="" xmlns:a14="http://schemas.microsoft.com/office/drawing/2010/main" w="9525">
+                <a14:hiddenLine xmlns:a14="http://schemas.microsoft.com/office/drawing/2010/main" xmlns="" w="9525">
                   <a:solidFill>
                     <a:srgbClr val="000000"/>
                   </a:solidFill>
@@ -1486,7 +1486,7 @@
             </a:ln>
             <a:extLst>
               <a:ext uri="{91240B29-F687-4f45-9708-019B960494DF}">
-                <a14:hiddenLine xmlns="" xmlns:a14="http://schemas.microsoft.com/office/drawing/2010/main" w="9525">
+                <a14:hiddenLine xmlns:a14="http://schemas.microsoft.com/office/drawing/2010/main" xmlns="" w="9525">
                   <a:solidFill>
                     <a:srgbClr val="000000"/>
                   </a:solidFill>
@@ -1548,7 +1548,7 @@
             </a:ln>
             <a:extLst>
               <a:ext uri="{91240B29-F687-4f45-9708-019B960494DF}">
-                <a14:hiddenLine xmlns="" xmlns:a14="http://schemas.microsoft.com/office/drawing/2010/main" w="9525">
+                <a14:hiddenLine xmlns:a14="http://schemas.microsoft.com/office/drawing/2010/main" xmlns="" w="9525">
                   <a:solidFill>
                     <a:srgbClr val="000000"/>
                   </a:solidFill>
@@ -1658,7 +1658,7 @@
             </a:ln>
             <a:extLst>
               <a:ext uri="{91240B29-F687-4f45-9708-019B960494DF}">
-                <a14:hiddenLine xmlns="" xmlns:a14="http://schemas.microsoft.com/office/drawing/2010/main" w="9525">
+                <a14:hiddenLine xmlns:a14="http://schemas.microsoft.com/office/drawing/2010/main" xmlns="" w="9525">
                   <a:solidFill>
                     <a:srgbClr val="000000"/>
                   </a:solidFill>
@@ -1720,7 +1720,7 @@
             </a:ln>
             <a:extLst>
               <a:ext uri="{91240B29-F687-4f45-9708-019B960494DF}">
-                <a14:hiddenLine xmlns="" xmlns:a14="http://schemas.microsoft.com/office/drawing/2010/main" w="9525">
+                <a14:hiddenLine xmlns:a14="http://schemas.microsoft.com/office/drawing/2010/main" xmlns="" w="9525">
                   <a:solidFill>
                     <a:srgbClr val="000000"/>
                   </a:solidFill>
@@ -1810,7 +1810,7 @@
             </a:ln>
             <a:extLst>
               <a:ext uri="{91240B29-F687-4f45-9708-019B960494DF}">
-                <a14:hiddenLine xmlns="" xmlns:a14="http://schemas.microsoft.com/office/drawing/2010/main" w="9525">
+                <a14:hiddenLine xmlns:a14="http://schemas.microsoft.com/office/drawing/2010/main" xmlns="" w="9525">
                   <a:solidFill>
                     <a:srgbClr val="000000"/>
                   </a:solidFill>
@@ -1900,7 +1900,7 @@
             </a:ln>
             <a:extLst>
               <a:ext uri="{91240B29-F687-4f45-9708-019B960494DF}">
-                <a14:hiddenLine xmlns="" xmlns:a14="http://schemas.microsoft.com/office/drawing/2010/main" w="9525">
+                <a14:hiddenLine xmlns:a14="http://schemas.microsoft.com/office/drawing/2010/main" xmlns="" w="9525">
                   <a:solidFill>
                     <a:srgbClr val="000000"/>
                   </a:solidFill>
@@ -1962,7 +1962,7 @@
             </a:ln>
             <a:extLst>
               <a:ext uri="{91240B29-F687-4f45-9708-019B960494DF}">
-                <a14:hiddenLine xmlns="" xmlns:a14="http://schemas.microsoft.com/office/drawing/2010/main" w="9525">
+                <a14:hiddenLine xmlns:a14="http://schemas.microsoft.com/office/drawing/2010/main" xmlns="" w="9525">
                   <a:solidFill>
                     <a:srgbClr val="000000"/>
                   </a:solidFill>
@@ -2052,7 +2052,7 @@
             </a:ln>
             <a:extLst>
               <a:ext uri="{91240B29-F687-4f45-9708-019B960494DF}">
-                <a14:hiddenLine xmlns="" xmlns:a14="http://schemas.microsoft.com/office/drawing/2010/main" w="9525">
+                <a14:hiddenLine xmlns:a14="http://schemas.microsoft.com/office/drawing/2010/main" xmlns="" w="9525">
                   <a:solidFill>
                     <a:srgbClr val="000000"/>
                   </a:solidFill>
@@ -2142,7 +2142,7 @@
             </a:ln>
             <a:extLst>
               <a:ext uri="{91240B29-F687-4f45-9708-019B960494DF}">
-                <a14:hiddenLine xmlns="" xmlns:a14="http://schemas.microsoft.com/office/drawing/2010/main" w="9525">
+                <a14:hiddenLine xmlns:a14="http://schemas.microsoft.com/office/drawing/2010/main" xmlns="" w="9525">
                   <a:solidFill>
                     <a:srgbClr val="000000"/>
                   </a:solidFill>
@@ -2198,7 +2198,7 @@
             </a:ln>
             <a:extLst>
               <a:ext uri="{91240B29-F687-4f45-9708-019B960494DF}">
-                <a14:hiddenLine xmlns="" xmlns:a14="http://schemas.microsoft.com/office/drawing/2010/main" w="9525">
+                <a14:hiddenLine xmlns:a14="http://schemas.microsoft.com/office/drawing/2010/main" xmlns="" w="9525">
                   <a:solidFill>
                     <a:srgbClr val="000000"/>
                   </a:solidFill>
@@ -2288,7 +2288,7 @@
             </a:ln>
             <a:extLst>
               <a:ext uri="{91240B29-F687-4f45-9708-019B960494DF}">
-                <a14:hiddenLine xmlns="" xmlns:a14="http://schemas.microsoft.com/office/drawing/2010/main" w="9525">
+                <a14:hiddenLine xmlns:a14="http://schemas.microsoft.com/office/drawing/2010/main" xmlns="" w="9525">
                   <a:solidFill>
                     <a:srgbClr val="000000"/>
                   </a:solidFill>
@@ -2344,7 +2344,7 @@
             </a:ln>
             <a:extLst>
               <a:ext uri="{91240B29-F687-4f45-9708-019B960494DF}">
-                <a14:hiddenLine xmlns="" xmlns:a14="http://schemas.microsoft.com/office/drawing/2010/main" w="9525">
+                <a14:hiddenLine xmlns:a14="http://schemas.microsoft.com/office/drawing/2010/main" xmlns="" w="9525">
                   <a:solidFill>
                     <a:srgbClr val="000000"/>
                   </a:solidFill>
@@ -2434,7 +2434,7 @@
             </a:ln>
             <a:extLst>
               <a:ext uri="{91240B29-F687-4f45-9708-019B960494DF}">
-                <a14:hiddenLine xmlns="" xmlns:a14="http://schemas.microsoft.com/office/drawing/2010/main" w="9525">
+                <a14:hiddenLine xmlns:a14="http://schemas.microsoft.com/office/drawing/2010/main" xmlns="" w="9525">
                   <a:solidFill>
                     <a:srgbClr val="000000"/>
                   </a:solidFill>
@@ -2502,7 +2502,7 @@
             </a:ln>
             <a:extLst>
               <a:ext uri="{91240B29-F687-4f45-9708-019B960494DF}">
-                <a14:hiddenLine xmlns="" xmlns:a14="http://schemas.microsoft.com/office/drawing/2010/main" w="9525">
+                <a14:hiddenLine xmlns:a14="http://schemas.microsoft.com/office/drawing/2010/main" xmlns="" w="9525">
                   <a:solidFill>
                     <a:srgbClr val="000000"/>
                   </a:solidFill>
@@ -2592,7 +2592,7 @@
             </a:ln>
             <a:extLst>
               <a:ext uri="{91240B29-F687-4f45-9708-019B960494DF}">
-                <a14:hiddenLine xmlns="" xmlns:a14="http://schemas.microsoft.com/office/drawing/2010/main" w="9525">
+                <a14:hiddenLine xmlns:a14="http://schemas.microsoft.com/office/drawing/2010/main" xmlns="" w="9525">
                   <a:solidFill>
                     <a:srgbClr val="000000"/>
                   </a:solidFill>
@@ -2660,7 +2660,7 @@
             </a:ln>
             <a:extLst>
               <a:ext uri="{91240B29-F687-4f45-9708-019B960494DF}">
-                <a14:hiddenLine xmlns="" xmlns:a14="http://schemas.microsoft.com/office/drawing/2010/main" w="9525">
+                <a14:hiddenLine xmlns:a14="http://schemas.microsoft.com/office/drawing/2010/main" xmlns="" w="9525">
                   <a:solidFill>
                     <a:srgbClr val="000000"/>
                   </a:solidFill>
@@ -2750,7 +2750,7 @@
             </a:ln>
             <a:extLst>
               <a:ext uri="{91240B29-F687-4f45-9708-019B960494DF}">
-                <a14:hiddenLine xmlns="" xmlns:a14="http://schemas.microsoft.com/office/drawing/2010/main" w="9525">
+                <a14:hiddenLine xmlns:a14="http://schemas.microsoft.com/office/drawing/2010/main" xmlns="" w="9525">
                   <a:solidFill>
                     <a:srgbClr val="000000"/>
                   </a:solidFill>
@@ -2784,7 +2784,7 @@
             </a:ln>
             <a:extLst>
               <a:ext uri="{91240B29-F687-4f45-9708-019B960494DF}">
-                <a14:hiddenLine xmlns="" xmlns:a14="http://schemas.microsoft.com/office/drawing/2010/main" w="9525">
+                <a14:hiddenLine xmlns:a14="http://schemas.microsoft.com/office/drawing/2010/main" xmlns="" w="9525">
                   <a:solidFill>
                     <a:srgbClr val="000000"/>
                   </a:solidFill>
@@ -2874,7 +2874,7 @@
             </a:ln>
             <a:extLst>
               <a:ext uri="{91240B29-F687-4f45-9708-019B960494DF}">
-                <a14:hiddenLine xmlns="" xmlns:a14="http://schemas.microsoft.com/office/drawing/2010/main" w="9525">
+                <a14:hiddenLine xmlns:a14="http://schemas.microsoft.com/office/drawing/2010/main" xmlns="" w="9525">
                   <a:solidFill>
                     <a:srgbClr val="000000"/>
                   </a:solidFill>
@@ -2936,7 +2936,7 @@
             </a:ln>
             <a:extLst>
               <a:ext uri="{91240B29-F687-4f45-9708-019B960494DF}">
-                <a14:hiddenLine xmlns="" xmlns:a14="http://schemas.microsoft.com/office/drawing/2010/main" w="9525">
+                <a14:hiddenLine xmlns:a14="http://schemas.microsoft.com/office/drawing/2010/main" xmlns="" w="9525">
                   <a:solidFill>
                     <a:srgbClr val="000000"/>
                   </a:solidFill>
@@ -2998,7 +2998,7 @@
             </a:ln>
             <a:extLst>
               <a:ext uri="{91240B29-F687-4f45-9708-019B960494DF}">
-                <a14:hiddenLine xmlns="" xmlns:a14="http://schemas.microsoft.com/office/drawing/2010/main" w="9525">
+                <a14:hiddenLine xmlns:a14="http://schemas.microsoft.com/office/drawing/2010/main" xmlns="" w="9525">
                   <a:solidFill>
                     <a:srgbClr val="000000"/>
                   </a:solidFill>
@@ -3088,7 +3088,7 @@
             </a:ln>
             <a:extLst>
               <a:ext uri="{91240B29-F687-4f45-9708-019B960494DF}">
-                <a14:hiddenLine xmlns="" xmlns:a14="http://schemas.microsoft.com/office/drawing/2010/main" w="9525">
+                <a14:hiddenLine xmlns:a14="http://schemas.microsoft.com/office/drawing/2010/main" xmlns="" w="9525">
                   <a:solidFill>
                     <a:srgbClr val="000000"/>
                   </a:solidFill>
@@ -3156,7 +3156,7 @@
             </a:ln>
             <a:extLst>
               <a:ext uri="{91240B29-F687-4f45-9708-019B960494DF}">
-                <a14:hiddenLine xmlns="" xmlns:a14="http://schemas.microsoft.com/office/drawing/2010/main" w="9525">
+                <a14:hiddenLine xmlns:a14="http://schemas.microsoft.com/office/drawing/2010/main" xmlns="" w="9525">
                   <a:solidFill>
                     <a:srgbClr val="000000"/>
                   </a:solidFill>
@@ -3218,7 +3218,7 @@
             </a:ln>
             <a:extLst>
               <a:ext uri="{91240B29-F687-4f45-9708-019B960494DF}">
-                <a14:hiddenLine xmlns="" xmlns:a14="http://schemas.microsoft.com/office/drawing/2010/main" w="9525">
+                <a14:hiddenLine xmlns:a14="http://schemas.microsoft.com/office/drawing/2010/main" xmlns="" w="9525">
                   <a:solidFill>
                     <a:srgbClr val="000000"/>
                   </a:solidFill>
@@ -3308,7 +3308,7 @@
             </a:ln>
             <a:extLst>
               <a:ext uri="{91240B29-F687-4f45-9708-019B960494DF}">
-                <a14:hiddenLine xmlns="" xmlns:a14="http://schemas.microsoft.com/office/drawing/2010/main" w="9525">
+                <a14:hiddenLine xmlns:a14="http://schemas.microsoft.com/office/drawing/2010/main" xmlns="" w="9525">
                   <a:solidFill>
                     <a:srgbClr val="000000"/>
                   </a:solidFill>
@@ -3370,7 +3370,7 @@
             </a:ln>
             <a:extLst>
               <a:ext uri="{91240B29-F687-4f45-9708-019B960494DF}">
-                <a14:hiddenLine xmlns="" xmlns:a14="http://schemas.microsoft.com/office/drawing/2010/main" w="9525">
+                <a14:hiddenLine xmlns:a14="http://schemas.microsoft.com/office/drawing/2010/main" xmlns="" w="9525">
                   <a:solidFill>
                     <a:srgbClr val="000000"/>
                   </a:solidFill>
@@ -3460,7 +3460,7 @@
             </a:ln>
             <a:extLst>
               <a:ext uri="{91240B29-F687-4f45-9708-019B960494DF}">
-                <a14:hiddenLine xmlns="" xmlns:a14="http://schemas.microsoft.com/office/drawing/2010/main" w="9525">
+                <a14:hiddenLine xmlns:a14="http://schemas.microsoft.com/office/drawing/2010/main" xmlns="" w="9525">
                   <a:solidFill>
                     <a:srgbClr val="000000"/>
                   </a:solidFill>
@@ -3522,7 +3522,7 @@
             </a:ln>
             <a:extLst>
               <a:ext uri="{91240B29-F687-4f45-9708-019B960494DF}">
-                <a14:hiddenLine xmlns="" xmlns:a14="http://schemas.microsoft.com/office/drawing/2010/main" w="9525">
+                <a14:hiddenLine xmlns:a14="http://schemas.microsoft.com/office/drawing/2010/main" xmlns="" w="9525">
                   <a:solidFill>
                     <a:srgbClr val="000000"/>
                   </a:solidFill>
@@ -3612,7 +3612,7 @@
             </a:ln>
             <a:extLst>
               <a:ext uri="{91240B29-F687-4f45-9708-019B960494DF}">
-                <a14:hiddenLine xmlns="" xmlns:a14="http://schemas.microsoft.com/office/drawing/2010/main" w="9525">
+                <a14:hiddenLine xmlns:a14="http://schemas.microsoft.com/office/drawing/2010/main" xmlns="" w="9525">
                   <a:solidFill>
                     <a:srgbClr val="000000"/>
                   </a:solidFill>
@@ -3646,7 +3646,7 @@
             </a:ln>
             <a:extLst>
               <a:ext uri="{91240B29-F687-4f45-9708-019B960494DF}">
-                <a14:hiddenLine xmlns="" xmlns:a14="http://schemas.microsoft.com/office/drawing/2010/main" w="9525">
+                <a14:hiddenLine xmlns:a14="http://schemas.microsoft.com/office/drawing/2010/main" xmlns="" w="9525">
                   <a:solidFill>
                     <a:srgbClr val="000000"/>
                   </a:solidFill>
@@ -3711,7 +3711,7 @@
             </a:ln>
             <a:extLst>
               <a:ext uri="{91240B29-F687-4f45-9708-019B960494DF}">
-                <a14:hiddenLine xmlns="" xmlns:a14="http://schemas.microsoft.com/office/drawing/2010/main" w="9525">
+                <a14:hiddenLine xmlns:a14="http://schemas.microsoft.com/office/drawing/2010/main" xmlns="" w="9525">
                   <a:solidFill>
                     <a:srgbClr val="000000"/>
                   </a:solidFill>
@@ -3801,7 +3801,7 @@
             </a:ln>
             <a:extLst>
               <a:ext uri="{91240B29-F687-4f45-9708-019B960494DF}">
-                <a14:hiddenLine xmlns="" xmlns:a14="http://schemas.microsoft.com/office/drawing/2010/main" w="9525">
+                <a14:hiddenLine xmlns:a14="http://schemas.microsoft.com/office/drawing/2010/main" xmlns="" w="9525">
                   <a:solidFill>
                     <a:srgbClr val="000000"/>
                   </a:solidFill>
@@ -3863,7 +3863,7 @@
             </a:ln>
             <a:extLst>
               <a:ext uri="{91240B29-F687-4f45-9708-019B960494DF}">
-                <a14:hiddenLine xmlns="" xmlns:a14="http://schemas.microsoft.com/office/drawing/2010/main" w="9525">
+                <a14:hiddenLine xmlns:a14="http://schemas.microsoft.com/office/drawing/2010/main" xmlns="" w="9525">
                   <a:solidFill>
                     <a:srgbClr val="000000"/>
                   </a:solidFill>
@@ -3953,7 +3953,7 @@
             </a:ln>
             <a:extLst>
               <a:ext uri="{91240B29-F687-4f45-9708-019B960494DF}">
-                <a14:hiddenLine xmlns="" xmlns:a14="http://schemas.microsoft.com/office/drawing/2010/main" w="9525">
+                <a14:hiddenLine xmlns:a14="http://schemas.microsoft.com/office/drawing/2010/main" xmlns="" w="9525">
                   <a:solidFill>
                     <a:srgbClr val="000000"/>
                   </a:solidFill>
@@ -4043,7 +4043,7 @@
             </a:ln>
             <a:extLst>
               <a:ext uri="{91240B29-F687-4f45-9708-019B960494DF}">
-                <a14:hiddenLine xmlns="" xmlns:a14="http://schemas.microsoft.com/office/drawing/2010/main" w="9525">
+                <a14:hiddenLine xmlns:a14="http://schemas.microsoft.com/office/drawing/2010/main" xmlns="" w="9525">
                   <a:solidFill>
                     <a:srgbClr val="000000"/>
                   </a:solidFill>
@@ -4108,7 +4108,7 @@
             </a:ln>
             <a:extLst>
               <a:ext uri="{91240B29-F687-4f45-9708-019B960494DF}">
-                <a14:hiddenLine xmlns="" xmlns:a14="http://schemas.microsoft.com/office/drawing/2010/main" w="9525">
+                <a14:hiddenLine xmlns:a14="http://schemas.microsoft.com/office/drawing/2010/main" xmlns="" w="9525">
                   <a:solidFill>
                     <a:srgbClr val="000000"/>
                   </a:solidFill>
@@ -4170,7 +4170,7 @@
             </a:ln>
             <a:extLst>
               <a:ext uri="{91240B29-F687-4f45-9708-019B960494DF}">
-                <a14:hiddenLine xmlns="" xmlns:a14="http://schemas.microsoft.com/office/drawing/2010/main" w="9525">
+                <a14:hiddenLine xmlns:a14="http://schemas.microsoft.com/office/drawing/2010/main" xmlns="" w="9525">
                   <a:solidFill>
                     <a:srgbClr val="000000"/>
                   </a:solidFill>
@@ -4260,7 +4260,7 @@
             </a:ln>
             <a:extLst>
               <a:ext uri="{91240B29-F687-4f45-9708-019B960494DF}">
-                <a14:hiddenLine xmlns="" xmlns:a14="http://schemas.microsoft.com/office/drawing/2010/main" w="9525">
+                <a14:hiddenLine xmlns:a14="http://schemas.microsoft.com/office/drawing/2010/main" xmlns="" w="9525">
                   <a:solidFill>
                     <a:srgbClr val="000000"/>
                   </a:solidFill>
@@ -4350,7 +4350,7 @@
             </a:ln>
             <a:extLst>
               <a:ext uri="{91240B29-F687-4f45-9708-019B960494DF}">
-                <a14:hiddenLine xmlns="" xmlns:a14="http://schemas.microsoft.com/office/drawing/2010/main" w="9525">
+                <a14:hiddenLine xmlns:a14="http://schemas.microsoft.com/office/drawing/2010/main" xmlns="" w="9525">
                   <a:solidFill>
                     <a:srgbClr val="000000"/>
                   </a:solidFill>
@@ -4412,7 +4412,7 @@
             </a:ln>
             <a:extLst>
               <a:ext uri="{91240B29-F687-4f45-9708-019B960494DF}">
-                <a14:hiddenLine xmlns="" xmlns:a14="http://schemas.microsoft.com/office/drawing/2010/main" w="9525">
+                <a14:hiddenLine xmlns:a14="http://schemas.microsoft.com/office/drawing/2010/main" xmlns="" w="9525">
                   <a:solidFill>
                     <a:srgbClr val="000000"/>
                   </a:solidFill>
@@ -4532,7 +4532,7 @@
             </a:ln>
             <a:extLst>
               <a:ext uri="{91240B29-F687-4f45-9708-019B960494DF}">
-                <a14:hiddenLine xmlns="" xmlns:a14="http://schemas.microsoft.com/office/drawing/2010/main" w="9525">
+                <a14:hiddenLine xmlns:a14="http://schemas.microsoft.com/office/drawing/2010/main" xmlns="" w="9525">
                   <a:solidFill>
                     <a:srgbClr val="000000"/>
                   </a:solidFill>
@@ -4600,7 +4600,7 @@
             </a:ln>
             <a:extLst>
               <a:ext uri="{91240B29-F687-4f45-9708-019B960494DF}">
-                <a14:hiddenLine xmlns="" xmlns:a14="http://schemas.microsoft.com/office/drawing/2010/main" w="9525">
+                <a14:hiddenLine xmlns:a14="http://schemas.microsoft.com/office/drawing/2010/main" xmlns="" w="9525">
                   <a:solidFill>
                     <a:srgbClr val="000000"/>
                   </a:solidFill>
@@ -4690,7 +4690,7 @@
             </a:ln>
             <a:extLst>
               <a:ext uri="{91240B29-F687-4f45-9708-019B960494DF}">
-                <a14:hiddenLine xmlns="" xmlns:a14="http://schemas.microsoft.com/office/drawing/2010/main" w="9525">
+                <a14:hiddenLine xmlns:a14="http://schemas.microsoft.com/office/drawing/2010/main" xmlns="" w="9525">
                   <a:solidFill>
                     <a:srgbClr val="000000"/>
                   </a:solidFill>
@@ -9497,7 +9497,7 @@
           <a:noFill/>
           <a:extLst>
             <a:ext uri="{909E8E84-426E-40dd-AFC4-6F175D3DCCD1}">
-              <a14:hiddenFill xmlns="" xmlns:a14="http://schemas.microsoft.com/office/drawing/2010/main">
+              <a14:hiddenFill xmlns:a14="http://schemas.microsoft.com/office/drawing/2010/main" xmlns="">
                 <a:solidFill>
                   <a:srgbClr val="FFFFFF"/>
                 </a:solidFill>
@@ -9571,7 +9571,7 @@
               </a:ln>
               <a:extLst>
                 <a:ext uri="{91240B29-F687-4f45-9708-019B960494DF}">
-                  <a14:hiddenLine xmlns="" xmlns:a14="http://schemas.microsoft.com/office/drawing/2010/main" w="9525">
+                  <a14:hiddenLine xmlns:a14="http://schemas.microsoft.com/office/drawing/2010/main" xmlns="" w="9525">
                     <a:solidFill>
                       <a:srgbClr val="000000"/>
                     </a:solidFill>
@@ -9661,7 +9661,7 @@
               </a:ln>
               <a:extLst>
                 <a:ext uri="{91240B29-F687-4f45-9708-019B960494DF}">
-                  <a14:hiddenLine xmlns="" xmlns:a14="http://schemas.microsoft.com/office/drawing/2010/main" w="9525">
+                  <a14:hiddenLine xmlns:a14="http://schemas.microsoft.com/office/drawing/2010/main" xmlns="" w="9525">
                     <a:solidFill>
                       <a:srgbClr val="000000"/>
                     </a:solidFill>
@@ -9751,7 +9751,7 @@
               </a:ln>
               <a:extLst>
                 <a:ext uri="{91240B29-F687-4f45-9708-019B960494DF}">
-                  <a14:hiddenLine xmlns="" xmlns:a14="http://schemas.microsoft.com/office/drawing/2010/main" w="9525">
+                  <a14:hiddenLine xmlns:a14="http://schemas.microsoft.com/office/drawing/2010/main" xmlns="" w="9525">
                     <a:solidFill>
                       <a:srgbClr val="000000"/>
                     </a:solidFill>
@@ -9813,7 +9813,7 @@
               </a:ln>
               <a:extLst>
                 <a:ext uri="{91240B29-F687-4f45-9708-019B960494DF}">
-                  <a14:hiddenLine xmlns="" xmlns:a14="http://schemas.microsoft.com/office/drawing/2010/main" w="9525">
+                  <a14:hiddenLine xmlns:a14="http://schemas.microsoft.com/office/drawing/2010/main" xmlns="" w="9525">
                     <a:solidFill>
                       <a:srgbClr val="000000"/>
                     </a:solidFill>
@@ -9903,7 +9903,7 @@
               </a:ln>
               <a:extLst>
                 <a:ext uri="{91240B29-F687-4f45-9708-019B960494DF}">
-                  <a14:hiddenLine xmlns="" xmlns:a14="http://schemas.microsoft.com/office/drawing/2010/main" w="9525">
+                  <a14:hiddenLine xmlns:a14="http://schemas.microsoft.com/office/drawing/2010/main" xmlns="" w="9525">
                     <a:solidFill>
                       <a:srgbClr val="000000"/>
                     </a:solidFill>
@@ -9965,7 +9965,7 @@
               </a:ln>
               <a:extLst>
                 <a:ext uri="{91240B29-F687-4f45-9708-019B960494DF}">
-                  <a14:hiddenLine xmlns="" xmlns:a14="http://schemas.microsoft.com/office/drawing/2010/main" w="9525">
+                  <a14:hiddenLine xmlns:a14="http://schemas.microsoft.com/office/drawing/2010/main" xmlns="" w="9525">
                     <a:solidFill>
                       <a:srgbClr val="000000"/>
                     </a:solidFill>
@@ -10027,7 +10027,7 @@
               </a:ln>
               <a:extLst>
                 <a:ext uri="{91240B29-F687-4f45-9708-019B960494DF}">
-                  <a14:hiddenLine xmlns="" xmlns:a14="http://schemas.microsoft.com/office/drawing/2010/main" w="9525">
+                  <a14:hiddenLine xmlns:a14="http://schemas.microsoft.com/office/drawing/2010/main" xmlns="" w="9525">
                     <a:solidFill>
                       <a:srgbClr val="000000"/>
                     </a:solidFill>
@@ -10117,7 +10117,7 @@
               </a:ln>
               <a:extLst>
                 <a:ext uri="{91240B29-F687-4f45-9708-019B960494DF}">
-                  <a14:hiddenLine xmlns="" xmlns:a14="http://schemas.microsoft.com/office/drawing/2010/main" w="9525">
+                  <a14:hiddenLine xmlns:a14="http://schemas.microsoft.com/office/drawing/2010/main" xmlns="" w="9525">
                     <a:solidFill>
                       <a:srgbClr val="000000"/>
                     </a:solidFill>
@@ -10207,7 +10207,7 @@
               </a:ln>
               <a:extLst>
                 <a:ext uri="{91240B29-F687-4f45-9708-019B960494DF}">
-                  <a14:hiddenLine xmlns="" xmlns:a14="http://schemas.microsoft.com/office/drawing/2010/main" w="9525">
+                  <a14:hiddenLine xmlns:a14="http://schemas.microsoft.com/office/drawing/2010/main" xmlns="" w="9525">
                     <a:solidFill>
                       <a:srgbClr val="000000"/>
                     </a:solidFill>
@@ -10269,7 +10269,7 @@
               </a:ln>
               <a:extLst>
                 <a:ext uri="{91240B29-F687-4f45-9708-019B960494DF}">
-                  <a14:hiddenLine xmlns="" xmlns:a14="http://schemas.microsoft.com/office/drawing/2010/main" w="9525">
+                  <a14:hiddenLine xmlns:a14="http://schemas.microsoft.com/office/drawing/2010/main" xmlns="" w="9525">
                     <a:solidFill>
                       <a:srgbClr val="000000"/>
                     </a:solidFill>
@@ -10379,7 +10379,7 @@
               </a:ln>
               <a:extLst>
                 <a:ext uri="{91240B29-F687-4f45-9708-019B960494DF}">
-                  <a14:hiddenLine xmlns="" xmlns:a14="http://schemas.microsoft.com/office/drawing/2010/main" w="9525">
+                  <a14:hiddenLine xmlns:a14="http://schemas.microsoft.com/office/drawing/2010/main" xmlns="" w="9525">
                     <a:solidFill>
                       <a:srgbClr val="000000"/>
                     </a:solidFill>
@@ -10463,7 +10463,7 @@
               </a:ln>
               <a:extLst>
                 <a:ext uri="{91240B29-F687-4f45-9708-019B960494DF}">
-                  <a14:hiddenLine xmlns="" xmlns:a14="http://schemas.microsoft.com/office/drawing/2010/main" w="9525">
+                  <a14:hiddenLine xmlns:a14="http://schemas.microsoft.com/office/drawing/2010/main" xmlns="" w="9525">
                     <a:solidFill>
                       <a:srgbClr val="000000"/>
                     </a:solidFill>
@@ -10525,7 +10525,7 @@
               </a:ln>
               <a:extLst>
                 <a:ext uri="{91240B29-F687-4f45-9708-019B960494DF}">
-                  <a14:hiddenLine xmlns="" xmlns:a14="http://schemas.microsoft.com/office/drawing/2010/main" w="9525">
+                  <a14:hiddenLine xmlns:a14="http://schemas.microsoft.com/office/drawing/2010/main" xmlns="" w="9525">
                     <a:solidFill>
                       <a:srgbClr val="000000"/>
                     </a:solidFill>
@@ -10587,7 +10587,7 @@
               </a:ln>
               <a:extLst>
                 <a:ext uri="{91240B29-F687-4f45-9708-019B960494DF}">
-                  <a14:hiddenLine xmlns="" xmlns:a14="http://schemas.microsoft.com/office/drawing/2010/main" w="9525">
+                  <a14:hiddenLine xmlns:a14="http://schemas.microsoft.com/office/drawing/2010/main" xmlns="" w="9525">
                     <a:solidFill>
                       <a:srgbClr val="000000"/>
                     </a:solidFill>
@@ -10677,7 +10677,7 @@
               </a:ln>
               <a:extLst>
                 <a:ext uri="{91240B29-F687-4f45-9708-019B960494DF}">
-                  <a14:hiddenLine xmlns="" xmlns:a14="http://schemas.microsoft.com/office/drawing/2010/main" w="9525">
+                  <a14:hiddenLine xmlns:a14="http://schemas.microsoft.com/office/drawing/2010/main" xmlns="" w="9525">
                     <a:solidFill>
                       <a:srgbClr val="000000"/>
                     </a:solidFill>
@@ -10711,7 +10711,7 @@
               </a:ln>
               <a:extLst>
                 <a:ext uri="{91240B29-F687-4f45-9708-019B960494DF}">
-                  <a14:hiddenLine xmlns="" xmlns:a14="http://schemas.microsoft.com/office/drawing/2010/main" w="9525">
+                  <a14:hiddenLine xmlns:a14="http://schemas.microsoft.com/office/drawing/2010/main" xmlns="" w="9525">
                     <a:solidFill>
                       <a:srgbClr val="000000"/>
                     </a:solidFill>
@@ -10776,7 +10776,7 @@
               </a:ln>
               <a:extLst>
                 <a:ext uri="{91240B29-F687-4f45-9708-019B960494DF}">
-                  <a14:hiddenLine xmlns="" xmlns:a14="http://schemas.microsoft.com/office/drawing/2010/main" w="9525">
+                  <a14:hiddenLine xmlns:a14="http://schemas.microsoft.com/office/drawing/2010/main" xmlns="" w="9525">
                     <a:solidFill>
                       <a:srgbClr val="000000"/>
                     </a:solidFill>
@@ -10866,7 +10866,7 @@
               </a:ln>
               <a:extLst>
                 <a:ext uri="{91240B29-F687-4f45-9708-019B960494DF}">
-                  <a14:hiddenLine xmlns="" xmlns:a14="http://schemas.microsoft.com/office/drawing/2010/main" w="9525">
+                  <a14:hiddenLine xmlns:a14="http://schemas.microsoft.com/office/drawing/2010/main" xmlns="" w="9525">
                     <a:solidFill>
                       <a:srgbClr val="000000"/>
                     </a:solidFill>
@@ -10928,7 +10928,7 @@
               </a:ln>
               <a:extLst>
                 <a:ext uri="{91240B29-F687-4f45-9708-019B960494DF}">
-                  <a14:hiddenLine xmlns="" xmlns:a14="http://schemas.microsoft.com/office/drawing/2010/main" w="9525">
+                  <a14:hiddenLine xmlns:a14="http://schemas.microsoft.com/office/drawing/2010/main" xmlns="" w="9525">
                     <a:solidFill>
                       <a:srgbClr val="000000"/>
                     </a:solidFill>
@@ -11018,7 +11018,7 @@
               </a:ln>
               <a:extLst>
                 <a:ext uri="{91240B29-F687-4f45-9708-019B960494DF}">
-                  <a14:hiddenLine xmlns="" xmlns:a14="http://schemas.microsoft.com/office/drawing/2010/main" w="9525">
+                  <a14:hiddenLine xmlns:a14="http://schemas.microsoft.com/office/drawing/2010/main" xmlns="" w="9525">
                     <a:solidFill>
                       <a:srgbClr val="000000"/>
                     </a:solidFill>
@@ -11083,7 +11083,7 @@
               </a:ln>
               <a:extLst>
                 <a:ext uri="{91240B29-F687-4f45-9708-019B960494DF}">
-                  <a14:hiddenLine xmlns="" xmlns:a14="http://schemas.microsoft.com/office/drawing/2010/main" w="9525">
+                  <a14:hiddenLine xmlns:a14="http://schemas.microsoft.com/office/drawing/2010/main" xmlns="" w="9525">
                     <a:solidFill>
                       <a:srgbClr val="000000"/>
                     </a:solidFill>
@@ -11145,7 +11145,7 @@
               </a:ln>
               <a:extLst>
                 <a:ext uri="{91240B29-F687-4f45-9708-019B960494DF}">
-                  <a14:hiddenLine xmlns="" xmlns:a14="http://schemas.microsoft.com/office/drawing/2010/main" w="9525">
+                  <a14:hiddenLine xmlns:a14="http://schemas.microsoft.com/office/drawing/2010/main" xmlns="" w="9525">
                     <a:solidFill>
                       <a:srgbClr val="000000"/>
                     </a:solidFill>
@@ -11235,7 +11235,7 @@
               </a:ln>
               <a:extLst>
                 <a:ext uri="{91240B29-F687-4f45-9708-019B960494DF}">
-                  <a14:hiddenLine xmlns="" xmlns:a14="http://schemas.microsoft.com/office/drawing/2010/main" w="9525">
+                  <a14:hiddenLine xmlns:a14="http://schemas.microsoft.com/office/drawing/2010/main" xmlns="" w="9525">
                     <a:solidFill>
                       <a:srgbClr val="000000"/>
                     </a:solidFill>
@@ -11325,7 +11325,7 @@
               </a:ln>
               <a:extLst>
                 <a:ext uri="{91240B29-F687-4f45-9708-019B960494DF}">
-                  <a14:hiddenLine xmlns="" xmlns:a14="http://schemas.microsoft.com/office/drawing/2010/main" w="9525">
+                  <a14:hiddenLine xmlns:a14="http://schemas.microsoft.com/office/drawing/2010/main" xmlns="" w="9525">
                     <a:solidFill>
                       <a:srgbClr val="000000"/>
                     </a:solidFill>
@@ -11390,7 +11390,7 @@
               </a:ln>
               <a:extLst>
                 <a:ext uri="{91240B29-F687-4f45-9708-019B960494DF}">
-                  <a14:hiddenLine xmlns="" xmlns:a14="http://schemas.microsoft.com/office/drawing/2010/main" w="9525">
+                  <a14:hiddenLine xmlns:a14="http://schemas.microsoft.com/office/drawing/2010/main" xmlns="" w="9525">
                     <a:solidFill>
                       <a:srgbClr val="000000"/>
                     </a:solidFill>
@@ -11510,7 +11510,7 @@
               </a:ln>
               <a:extLst>
                 <a:ext uri="{91240B29-F687-4f45-9708-019B960494DF}">
-                  <a14:hiddenLine xmlns="" xmlns:a14="http://schemas.microsoft.com/office/drawing/2010/main" w="9525">
+                  <a14:hiddenLine xmlns:a14="http://schemas.microsoft.com/office/drawing/2010/main" xmlns="" w="9525">
                     <a:solidFill>
                       <a:srgbClr val="000000"/>
                     </a:solidFill>
@@ -11608,7 +11608,7 @@
               </a:ln>
               <a:extLst>
                 <a:ext uri="{91240B29-F687-4f45-9708-019B960494DF}">
-                  <a14:hiddenLine xmlns="" xmlns:a14="http://schemas.microsoft.com/office/drawing/2010/main" w="9525">
+                  <a14:hiddenLine xmlns:a14="http://schemas.microsoft.com/office/drawing/2010/main" xmlns="" w="9525">
                     <a:solidFill>
                       <a:srgbClr val="000000"/>
                     </a:solidFill>
@@ -11723,7 +11723,7 @@
               </a:ln>
               <a:extLst>
                 <a:ext uri="{91240B29-F687-4f45-9708-019B960494DF}">
-                  <a14:hiddenLine xmlns="" xmlns:a14="http://schemas.microsoft.com/office/drawing/2010/main" w="9525">
+                  <a14:hiddenLine xmlns:a14="http://schemas.microsoft.com/office/drawing/2010/main" xmlns="" w="9525">
                     <a:solidFill>
                       <a:srgbClr val="000000"/>
                     </a:solidFill>
@@ -11813,7 +11813,7 @@
               </a:ln>
               <a:extLst>
                 <a:ext uri="{91240B29-F687-4f45-9708-019B960494DF}">
-                  <a14:hiddenLine xmlns="" xmlns:a14="http://schemas.microsoft.com/office/drawing/2010/main" w="9525">
+                  <a14:hiddenLine xmlns:a14="http://schemas.microsoft.com/office/drawing/2010/main" xmlns="" w="9525">
                     <a:solidFill>
                       <a:srgbClr val="000000"/>
                     </a:solidFill>
@@ -11878,7 +11878,7 @@
               </a:ln>
               <a:extLst>
                 <a:ext uri="{91240B29-F687-4f45-9708-019B960494DF}">
-                  <a14:hiddenLine xmlns="" xmlns:a14="http://schemas.microsoft.com/office/drawing/2010/main" w="9525">
+                  <a14:hiddenLine xmlns:a14="http://schemas.microsoft.com/office/drawing/2010/main" xmlns="" w="9525">
                     <a:solidFill>
                       <a:srgbClr val="000000"/>
                     </a:solidFill>
@@ -11968,7 +11968,7 @@
               </a:ln>
               <a:extLst>
                 <a:ext uri="{91240B29-F687-4f45-9708-019B960494DF}">
-                  <a14:hiddenLine xmlns="" xmlns:a14="http://schemas.microsoft.com/office/drawing/2010/main" w="9525">
+                  <a14:hiddenLine xmlns:a14="http://schemas.microsoft.com/office/drawing/2010/main" xmlns="" w="9525">
                     <a:solidFill>
                       <a:srgbClr val="000000"/>
                     </a:solidFill>
@@ -12036,7 +12036,7 @@
               </a:ln>
               <a:extLst>
                 <a:ext uri="{91240B29-F687-4f45-9708-019B960494DF}">
-                  <a14:hiddenLine xmlns="" xmlns:a14="http://schemas.microsoft.com/office/drawing/2010/main" w="9525">
+                  <a14:hiddenLine xmlns:a14="http://schemas.microsoft.com/office/drawing/2010/main" xmlns="" w="9525">
                     <a:solidFill>
                       <a:srgbClr val="000000"/>
                     </a:solidFill>
@@ -12126,7 +12126,7 @@
               </a:ln>
               <a:extLst>
                 <a:ext uri="{91240B29-F687-4f45-9708-019B960494DF}">
-                  <a14:hiddenLine xmlns="" xmlns:a14="http://schemas.microsoft.com/office/drawing/2010/main" w="9525">
+                  <a14:hiddenLine xmlns:a14="http://schemas.microsoft.com/office/drawing/2010/main" xmlns="" w="9525">
                     <a:solidFill>
                       <a:srgbClr val="000000"/>
                     </a:solidFill>
@@ -12194,7 +12194,7 @@
               </a:ln>
               <a:extLst>
                 <a:ext uri="{91240B29-F687-4f45-9708-019B960494DF}">
-                  <a14:hiddenLine xmlns="" xmlns:a14="http://schemas.microsoft.com/office/drawing/2010/main" w="9525">
+                  <a14:hiddenLine xmlns:a14="http://schemas.microsoft.com/office/drawing/2010/main" xmlns="" w="9525">
                     <a:solidFill>
                       <a:srgbClr val="000000"/>
                     </a:solidFill>
@@ -12284,7 +12284,7 @@
               </a:ln>
               <a:extLst>
                 <a:ext uri="{91240B29-F687-4f45-9708-019B960494DF}">
-                  <a14:hiddenLine xmlns="" xmlns:a14="http://schemas.microsoft.com/office/drawing/2010/main" w="9525">
+                  <a14:hiddenLine xmlns:a14="http://schemas.microsoft.com/office/drawing/2010/main" xmlns="" w="9525">
                     <a:solidFill>
                       <a:srgbClr val="000000"/>
                     </a:solidFill>
@@ -12318,7 +12318,7 @@
               </a:ln>
               <a:extLst>
                 <a:ext uri="{91240B29-F687-4f45-9708-019B960494DF}">
-                  <a14:hiddenLine xmlns="" xmlns:a14="http://schemas.microsoft.com/office/drawing/2010/main" w="9525">
+                  <a14:hiddenLine xmlns:a14="http://schemas.microsoft.com/office/drawing/2010/main" xmlns="" w="9525">
                     <a:solidFill>
                       <a:srgbClr val="000000"/>
                     </a:solidFill>
@@ -12923,7 +12923,15 @@
           <a:p>
             <a:r>
               <a:rPr lang="de-DE" dirty="0" smtClean="0"/>
-              <a:t>Bernd Hartmann, Lukas </a:t>
+              <a:t>Bernd </a:t>
+            </a:r>
+            <a:r>
+              <a:rPr lang="de-DE" dirty="0" smtClean="0"/>
+              <a:t>Hartmann (8741478), </a:t>
+            </a:r>
+            <a:r>
+              <a:rPr lang="de-DE" dirty="0" smtClean="0"/>
+              <a:t>Lukas </a:t>
             </a:r>
             <a:r>
               <a:rPr lang="de-DE" dirty="0" err="1" smtClean="0"/>
@@ -13068,7 +13076,7 @@
               <a:buAutoNum type="arabicPeriod"/>
             </a:pPr>
             <a:r>
-              <a:rPr lang="de-DE" dirty="0" smtClean="0"/>
+              <a:rPr lang="de-DE" strike="sngStrike" dirty="0" smtClean="0"/>
               <a:t>Backend</a:t>
             </a:r>
           </a:p>
